--- a/Presentation/Kalman_presentation .pptx
+++ b/Presentation/Kalman_presentation .pptx
@@ -7,9 +7,12 @@
   <p:sldIdLst>
     <p:sldId id="256" r:id="rId2"/>
     <p:sldId id="257" r:id="rId3"/>
-    <p:sldId id="258" r:id="rId4"/>
-    <p:sldId id="259" r:id="rId5"/>
-    <p:sldId id="260" r:id="rId6"/>
+    <p:sldId id="261" r:id="rId4"/>
+    <p:sldId id="262" r:id="rId5"/>
+    <p:sldId id="258" r:id="rId6"/>
+    <p:sldId id="259" r:id="rId7"/>
+    <p:sldId id="260" r:id="rId8"/>
+    <p:sldId id="263" r:id="rId9"/>
   </p:sldIdLst>
   <p:sldSz cx="12192000" cy="6858000"/>
   <p:notesSz cx="6858000" cy="9144000"/>
@@ -108,6 +111,11 @@
       </a:defRPr>
     </a:lvl9pPr>
   </p:defaultTextStyle>
+  <p:extLst>
+    <p:ext uri="{EFAFB233-063F-42B5-8137-9DF3F51BA10A}">
+      <p15:sldGuideLst xmlns:p15="http://schemas.microsoft.com/office/powerpoint/2012/main"/>
+    </p:ext>
+  </p:extLst>
 </p:presentation>
 </file>
 
@@ -4486,45 +4494,62 @@
           <p:cNvPr id="2" name="Titre 1">
             <a:extLst>
               <a:ext uri="{FF2B5EF4-FFF2-40B4-BE49-F238E27FC236}">
-                <a16:creationId xmlns:a16="http://schemas.microsoft.com/office/drawing/2014/main" id="{8ACCD8D4-E370-4615-80D2-E56F06CD6802}"/>
-              </a:ext>
-            </a:extLst>
-          </p:cNvPr>
-          <p:cNvSpPr>
-            <a:spLocks noGrp="1"/>
+                <a16:creationId xmlns:a16="http://schemas.microsoft.com/office/drawing/2014/main" id="{CBE571F2-AFBD-4ED7-8D95-3B4ADB0BBF60}"/>
+              </a:ext>
+            </a:extLst>
+          </p:cNvPr>
+          <p:cNvSpPr txBox="1">
+            <a:spLocks/>
           </p:cNvSpPr>
-          <p:nvPr>
-            <p:ph type="title"/>
-          </p:nvPr>
-        </p:nvSpPr>
-        <p:spPr/>
+          <p:nvPr/>
+        </p:nvSpPr>
+        <p:spPr>
+          <a:xfrm>
+            <a:off x="838200" y="365125"/>
+            <a:ext cx="10515600" cy="1325563"/>
+          </a:xfrm>
+          <a:prstGeom prst="rect">
+            <a:avLst/>
+          </a:prstGeom>
+        </p:spPr>
         <p:txBody>
           <a:bodyPr>
             <a:normAutofit/>
           </a:bodyPr>
-          <a:lstStyle/>
-          <a:p>
-            <a:r>
-              <a:rPr lang="fr-BE" sz="4000" dirty="0"/>
-              <a:t>Extraction de (</a:t>
-            </a:r>
-            <a:r>
-              <a:rPr lang="fr-BE" sz="4000" dirty="0" err="1"/>
-              <a:t>d,v</a:t>
-            </a:r>
-            <a:r>
-              <a:rPr lang="fr-BE" sz="4000" dirty="0"/>
-              <a:t>)</a:t>
-            </a:r>
-          </a:p>
-        </p:txBody>
-      </p:sp>
-      <p:sp>
-        <p:nvSpPr>
-          <p:cNvPr id="4" name="ZoneTexte 3">
-            <a:extLst>
-              <a:ext uri="{FF2B5EF4-FFF2-40B4-BE49-F238E27FC236}">
-                <a16:creationId xmlns:a16="http://schemas.microsoft.com/office/drawing/2014/main" id="{D6A78FF1-C74C-4793-AF19-39B3AD5E7E9B}"/>
+          <a:lstStyle>
+            <a:lvl1pPr algn="l" defTabSz="914400" rtl="0" eaLnBrk="1" latinLnBrk="0" hangingPunct="1">
+              <a:lnSpc>
+                <a:spcPct val="90000"/>
+              </a:lnSpc>
+              <a:spcBef>
+                <a:spcPct val="0"/>
+              </a:spcBef>
+              <a:buNone/>
+              <a:defRPr sz="4400" kern="1200">
+                <a:solidFill>
+                  <a:schemeClr val="tx1"/>
+                </a:solidFill>
+                <a:latin typeface="+mj-lt"/>
+                <a:ea typeface="+mj-ea"/>
+                <a:cs typeface="+mj-cs"/>
+              </a:defRPr>
+            </a:lvl1pPr>
+          </a:lstStyle>
+          <a:p>
+            <a:r>
+              <a:rPr lang="fr-BE" sz="4000"/>
+              <a:t>Overview Kalman Filtering</a:t>
+            </a:r>
+            <a:endParaRPr lang="fr-BE" sz="4000" dirty="0"/>
+          </a:p>
+        </p:txBody>
+      </p:sp>
+      <p:sp>
+        <p:nvSpPr>
+          <p:cNvPr id="3" name="ZoneTexte 2">
+            <a:extLst>
+              <a:ext uri="{FF2B5EF4-FFF2-40B4-BE49-F238E27FC236}">
+                <a16:creationId xmlns:a16="http://schemas.microsoft.com/office/drawing/2014/main" id="{8AE3ED70-CC13-4FA4-977E-BC7ADCAB8285}"/>
               </a:ext>
             </a:extLst>
           </p:cNvPr>
@@ -4533,8 +4558,8 @@
         </p:nvSpPr>
         <p:spPr>
           <a:xfrm>
-            <a:off x="838200" y="1549400"/>
-            <a:ext cx="4749800" cy="1879600"/>
+            <a:off x="331363" y="1207602"/>
+            <a:ext cx="7647709" cy="4247317"/>
           </a:xfrm>
           <a:prstGeom prst="rect">
             <a:avLst/>
@@ -4547,76 +4572,109 @@
           </a:bodyPr>
           <a:lstStyle/>
           <a:p>
-            <a:endParaRPr lang="fr-BE" dirty="0"/>
-          </a:p>
-        </p:txBody>
-      </p:sp>
-      <p:pic>
-        <p:nvPicPr>
-          <p:cNvPr id="5" name="Image 4">
-            <a:extLst>
-              <a:ext uri="{FF2B5EF4-FFF2-40B4-BE49-F238E27FC236}">
-                <a16:creationId xmlns:a16="http://schemas.microsoft.com/office/drawing/2014/main" id="{3CC3BD48-272A-49EB-A0FC-E0CE331480D5}"/>
-              </a:ext>
-            </a:extLst>
-          </p:cNvPr>
-          <p:cNvPicPr>
-            <a:picLocks noChangeAspect="1"/>
-          </p:cNvPicPr>
-          <p:nvPr/>
-        </p:nvPicPr>
-        <p:blipFill>
-          <a:blip r:embed="rId2"/>
-          <a:stretch>
-            <a:fillRect/>
-          </a:stretch>
-        </p:blipFill>
-        <p:spPr>
-          <a:xfrm>
-            <a:off x="1288589" y="1394619"/>
-            <a:ext cx="2259474" cy="592138"/>
-          </a:xfrm>
-          <a:prstGeom prst="rect">
-            <a:avLst/>
-          </a:prstGeom>
-        </p:spPr>
-      </p:pic>
-      <p:pic>
-        <p:nvPicPr>
-          <p:cNvPr id="6" name="Image 5">
-            <a:extLst>
-              <a:ext uri="{FF2B5EF4-FFF2-40B4-BE49-F238E27FC236}">
-                <a16:creationId xmlns:a16="http://schemas.microsoft.com/office/drawing/2014/main" id="{C61E20D1-045C-4BB1-99DB-64754AA6C971}"/>
-              </a:ext>
-            </a:extLst>
-          </p:cNvPr>
-          <p:cNvPicPr>
-            <a:picLocks noChangeAspect="1"/>
-          </p:cNvPicPr>
-          <p:nvPr/>
-        </p:nvPicPr>
-        <p:blipFill>
-          <a:blip r:embed="rId3"/>
-          <a:stretch>
-            <a:fillRect/>
-          </a:stretch>
-        </p:blipFill>
-        <p:spPr>
-          <a:xfrm>
-            <a:off x="3896340" y="1399582"/>
-            <a:ext cx="2348645" cy="566340"/>
-          </a:xfrm>
-          <a:prstGeom prst="rect">
-            <a:avLst/>
-          </a:prstGeom>
-        </p:spPr>
-      </p:pic>
+            <a:pPr marL="342900" indent="-342900">
+              <a:buAutoNum type="arabicParenR"/>
+            </a:pPr>
+            <a:r>
+              <a:rPr lang="fr-LU" dirty="0"/>
+              <a:t>Etape de prédiction</a:t>
+            </a:r>
+          </a:p>
+          <a:p>
+            <a:pPr marL="342900" indent="-342900">
+              <a:buAutoNum type="arabicParenR"/>
+            </a:pPr>
+            <a:endParaRPr lang="fr-LU" dirty="0"/>
+          </a:p>
+          <a:p>
+            <a:pPr marL="342900" indent="-342900">
+              <a:buAutoNum type="arabicParenR"/>
+            </a:pPr>
+            <a:endParaRPr lang="fr-LU" dirty="0"/>
+          </a:p>
+          <a:p>
+            <a:pPr marL="342900" indent="-342900">
+              <a:buAutoNum type="arabicParenR"/>
+            </a:pPr>
+            <a:endParaRPr lang="fr-LU" dirty="0"/>
+          </a:p>
+          <a:p>
+            <a:pPr marL="342900" indent="-342900">
+              <a:buAutoNum type="arabicParenR"/>
+            </a:pPr>
+            <a:endParaRPr lang="fr-LU" dirty="0"/>
+          </a:p>
+          <a:p>
+            <a:pPr marL="342900" indent="-342900">
+              <a:buAutoNum type="arabicParenR"/>
+            </a:pPr>
+            <a:endParaRPr lang="fr-LU" dirty="0"/>
+          </a:p>
+          <a:p>
+            <a:pPr marL="342900" indent="-342900">
+              <a:buAutoNum type="arabicParenR"/>
+            </a:pPr>
+            <a:r>
+              <a:rPr lang="fr-LU" dirty="0"/>
+              <a:t>Etape d’association:  i pistes et j détections</a:t>
+            </a:r>
+          </a:p>
+          <a:p>
+            <a:pPr marL="342900" indent="-342900">
+              <a:buAutoNum type="arabicParenR"/>
+            </a:pPr>
+            <a:endParaRPr lang="fr-LU" dirty="0"/>
+          </a:p>
+          <a:p>
+            <a:pPr marL="342900" indent="-342900">
+              <a:buAutoNum type="arabicParenR"/>
+            </a:pPr>
+            <a:endParaRPr lang="fr-LU" dirty="0"/>
+          </a:p>
+          <a:p>
+            <a:pPr marL="342900" indent="-342900">
+              <a:buAutoNum type="arabicParenR"/>
+            </a:pPr>
+            <a:endParaRPr lang="fr-LU" dirty="0"/>
+          </a:p>
+          <a:p>
+            <a:pPr marL="342900" indent="-342900">
+              <a:buAutoNum type="arabicParenR"/>
+            </a:pPr>
+            <a:endParaRPr lang="fr-LU" dirty="0"/>
+          </a:p>
+          <a:p>
+            <a:pPr marL="342900" indent="-342900">
+              <a:buAutoNum type="arabicParenR"/>
+            </a:pPr>
+            <a:endParaRPr lang="fr-LU" dirty="0"/>
+          </a:p>
+          <a:p>
+            <a:pPr marL="342900" indent="-342900">
+              <a:buAutoNum type="arabicParenR"/>
+            </a:pPr>
+            <a:endParaRPr lang="fr-LU" dirty="0"/>
+          </a:p>
+          <a:p>
+            <a:pPr marL="342900" indent="-342900">
+              <a:buAutoNum type="arabicParenR"/>
+            </a:pPr>
+            <a:endParaRPr lang="fr-LU" dirty="0"/>
+          </a:p>
+          <a:p>
+            <a:pPr marL="342900" indent="-342900">
+              <a:buAutoNum type="arabicParenR"/>
+            </a:pPr>
+            <a:endParaRPr lang="fr-LU" dirty="0"/>
+          </a:p>
+        </p:txBody>
+      </p:sp>
       <p:pic>
         <p:nvPicPr>
           <p:cNvPr id="1026" name="Picture 2">
             <a:extLst>
               <a:ext uri="{FF2B5EF4-FFF2-40B4-BE49-F238E27FC236}">
-                <a16:creationId xmlns:a16="http://schemas.microsoft.com/office/drawing/2014/main" id="{7D802128-7FF0-4998-93C6-64C25CD6DB61}"/>
+                <a16:creationId xmlns:a16="http://schemas.microsoft.com/office/drawing/2014/main" id="{80DBB2F9-B49F-4892-A344-74E4596580F7}"/>
               </a:ext>
             </a:extLst>
           </p:cNvPr>
@@ -4626,7 +4684,7 @@
           <p:nvPr/>
         </p:nvPicPr>
         <p:blipFill>
-          <a:blip r:embed="rId4">
+          <a:blip r:embed="rId2">
             <a:extLst>
               <a:ext uri="{28A0092B-C50C-407E-A947-70E740481C1C}">
                 <a14:useLocalDpi xmlns:a14="http://schemas.microsoft.com/office/drawing/2010/main" val="0"/>
@@ -4640,8 +4698,8 @@
         </p:blipFill>
         <p:spPr bwMode="auto">
           <a:xfrm>
-            <a:off x="940310" y="2565400"/>
-            <a:ext cx="5304675" cy="3560763"/>
+            <a:off x="3579222" y="1207076"/>
+            <a:ext cx="2280694" cy="1199770"/>
           </a:xfrm>
           <a:prstGeom prst="rect">
             <a:avLst/>
@@ -4658,12 +4716,106 @@
           </a:extLst>
         </p:spPr>
       </p:pic>
-      <p:sp>
-        <p:nvSpPr>
-          <p:cNvPr id="7" name="ZoneTexte 6">
-            <a:extLst>
-              <a:ext uri="{FF2B5EF4-FFF2-40B4-BE49-F238E27FC236}">
-                <a16:creationId xmlns:a16="http://schemas.microsoft.com/office/drawing/2014/main" id="{88B75053-8E50-49A3-BF29-0F0F471926A5}"/>
+      <p:pic>
+        <p:nvPicPr>
+          <p:cNvPr id="1028" name="Picture 4">
+            <a:extLst>
+              <a:ext uri="{FF2B5EF4-FFF2-40B4-BE49-F238E27FC236}">
+                <a16:creationId xmlns:a16="http://schemas.microsoft.com/office/drawing/2014/main" id="{9579F3F7-8138-4FCE-9E59-3F8616E47207}"/>
+              </a:ext>
+            </a:extLst>
+          </p:cNvPr>
+          <p:cNvPicPr>
+            <a:picLocks noChangeAspect="1" noChangeArrowheads="1"/>
+          </p:cNvPicPr>
+          <p:nvPr/>
+        </p:nvPicPr>
+        <p:blipFill>
+          <a:blip r:embed="rId3">
+            <a:extLst>
+              <a:ext uri="{28A0092B-C50C-407E-A947-70E740481C1C}">
+                <a14:useLocalDpi xmlns:a14="http://schemas.microsoft.com/office/drawing/2010/main" val="0"/>
+              </a:ext>
+            </a:extLst>
+          </a:blip>
+          <a:srcRect/>
+          <a:stretch>
+            <a:fillRect/>
+          </a:stretch>
+        </p:blipFill>
+        <p:spPr bwMode="auto">
+          <a:xfrm>
+            <a:off x="6877866" y="136330"/>
+            <a:ext cx="3476625" cy="838200"/>
+          </a:xfrm>
+          <a:prstGeom prst="rect">
+            <a:avLst/>
+          </a:prstGeom>
+          <a:noFill/>
+          <a:extLst>
+            <a:ext uri="{909E8E84-426E-40DD-AFC4-6F175D3DCCD1}">
+              <a14:hiddenFill xmlns:a14="http://schemas.microsoft.com/office/drawing/2010/main">
+                <a:solidFill>
+                  <a:srgbClr val="FFFFFF"/>
+                </a:solidFill>
+              </a14:hiddenFill>
+            </a:ext>
+          </a:extLst>
+        </p:spPr>
+      </p:pic>
+      <p:pic>
+        <p:nvPicPr>
+          <p:cNvPr id="1030" name="Picture 6">
+            <a:extLst>
+              <a:ext uri="{FF2B5EF4-FFF2-40B4-BE49-F238E27FC236}">
+                <a16:creationId xmlns:a16="http://schemas.microsoft.com/office/drawing/2014/main" id="{304EB750-461E-44E2-9225-A0B449E6E018}"/>
+              </a:ext>
+            </a:extLst>
+          </p:cNvPr>
+          <p:cNvPicPr>
+            <a:picLocks noChangeAspect="1" noChangeArrowheads="1"/>
+          </p:cNvPicPr>
+          <p:nvPr/>
+        </p:nvPicPr>
+        <p:blipFill>
+          <a:blip r:embed="rId4">
+            <a:extLst>
+              <a:ext uri="{28A0092B-C50C-407E-A947-70E740481C1C}">
+                <a14:useLocalDpi xmlns:a14="http://schemas.microsoft.com/office/drawing/2010/main" val="0"/>
+              </a:ext>
+            </a:extLst>
+          </a:blip>
+          <a:srcRect/>
+          <a:stretch>
+            <a:fillRect/>
+          </a:stretch>
+        </p:blipFill>
+        <p:spPr bwMode="auto">
+          <a:xfrm>
+            <a:off x="6326779" y="1528617"/>
+            <a:ext cx="2457450" cy="400050"/>
+          </a:xfrm>
+          <a:prstGeom prst="rect">
+            <a:avLst/>
+          </a:prstGeom>
+          <a:noFill/>
+          <a:extLst>
+            <a:ext uri="{909E8E84-426E-40DD-AFC4-6F175D3DCCD1}">
+              <a14:hiddenFill xmlns:a14="http://schemas.microsoft.com/office/drawing/2010/main">
+                <a:solidFill>
+                  <a:srgbClr val="FFFFFF"/>
+                </a:solidFill>
+              </a14:hiddenFill>
+            </a:ext>
+          </a:extLst>
+        </p:spPr>
+      </p:pic>
+      <p:sp>
+        <p:nvSpPr>
+          <p:cNvPr id="8" name="ZoneTexte 7">
+            <a:extLst>
+              <a:ext uri="{FF2B5EF4-FFF2-40B4-BE49-F238E27FC236}">
+                <a16:creationId xmlns:a16="http://schemas.microsoft.com/office/drawing/2014/main" id="{78AC53C3-2A50-4BA0-BD0F-4E8321640BFA}"/>
               </a:ext>
             </a:extLst>
           </p:cNvPr>
@@ -4672,8 +4824,8 @@
         </p:nvSpPr>
         <p:spPr>
           <a:xfrm>
-            <a:off x="938477" y="2074665"/>
-            <a:ext cx="2959697" cy="369332"/>
+            <a:off x="647899" y="3541507"/>
+            <a:ext cx="2023622" cy="646331"/>
           </a:xfrm>
           <a:prstGeom prst="rect">
             <a:avLst/>
@@ -4687,18 +4839,125 @@
           <a:lstStyle/>
           <a:p>
             <a:r>
-              <a:rPr lang="fr-BE" dirty="0"/>
-              <a:t>Exemple de simulation radar:</a:t>
-            </a:r>
-          </a:p>
-        </p:txBody>
-      </p:sp>
-      <p:sp>
-        <p:nvSpPr>
-          <p:cNvPr id="8" name="ZoneTexte 7">
-            <a:extLst>
-              <a:ext uri="{FF2B5EF4-FFF2-40B4-BE49-F238E27FC236}">
-                <a16:creationId xmlns:a16="http://schemas.microsoft.com/office/drawing/2014/main" id="{792DB2DD-8280-4E3B-B67A-FC8D81FDA350}"/>
+              <a:rPr lang="fr-LU" dirty="0"/>
+              <a:t>Matrice d’association :</a:t>
+            </a:r>
+          </a:p>
+        </p:txBody>
+      </p:sp>
+      <p:pic>
+        <p:nvPicPr>
+          <p:cNvPr id="1032" name="Picture 8">
+            <a:extLst>
+              <a:ext uri="{FF2B5EF4-FFF2-40B4-BE49-F238E27FC236}">
+                <a16:creationId xmlns:a16="http://schemas.microsoft.com/office/drawing/2014/main" id="{9F6952FC-9BDD-46D3-AE42-184FE6CB4F3A}"/>
+              </a:ext>
+            </a:extLst>
+          </p:cNvPr>
+          <p:cNvPicPr>
+            <a:picLocks noChangeAspect="1" noChangeArrowheads="1"/>
+          </p:cNvPicPr>
+          <p:nvPr/>
+        </p:nvPicPr>
+        <p:blipFill>
+          <a:blip r:embed="rId5">
+            <a:extLst>
+              <a:ext uri="{28A0092B-C50C-407E-A947-70E740481C1C}">
+                <a14:useLocalDpi xmlns:a14="http://schemas.microsoft.com/office/drawing/2010/main" val="0"/>
+              </a:ext>
+            </a:extLst>
+          </a:blip>
+          <a:srcRect/>
+          <a:stretch>
+            <a:fillRect/>
+          </a:stretch>
+        </p:blipFill>
+        <p:spPr bwMode="auto">
+          <a:xfrm>
+            <a:off x="5555350" y="3154819"/>
+            <a:ext cx="3075521" cy="1126843"/>
+          </a:xfrm>
+          <a:prstGeom prst="rect">
+            <a:avLst/>
+          </a:prstGeom>
+          <a:noFill/>
+          <a:extLst>
+            <a:ext uri="{909E8E84-426E-40DD-AFC4-6F175D3DCCD1}">
+              <a14:hiddenFill xmlns:a14="http://schemas.microsoft.com/office/drawing/2010/main">
+                <a:solidFill>
+                  <a:srgbClr val="FFFFFF"/>
+                </a:solidFill>
+              </a14:hiddenFill>
+            </a:ext>
+          </a:extLst>
+        </p:spPr>
+      </p:pic>
+      <p:pic>
+        <p:nvPicPr>
+          <p:cNvPr id="10" name="Image 9">
+            <a:extLst>
+              <a:ext uri="{FF2B5EF4-FFF2-40B4-BE49-F238E27FC236}">
+                <a16:creationId xmlns:a16="http://schemas.microsoft.com/office/drawing/2014/main" id="{14C93C05-8CB3-4EA2-AA96-253C8289A573}"/>
+              </a:ext>
+            </a:extLst>
+          </p:cNvPr>
+          <p:cNvPicPr>
+            <a:picLocks noChangeAspect="1"/>
+          </p:cNvPicPr>
+          <p:nvPr/>
+        </p:nvPicPr>
+        <p:blipFill>
+          <a:blip r:embed="rId6"/>
+          <a:stretch>
+            <a:fillRect/>
+          </a:stretch>
+        </p:blipFill>
+        <p:spPr>
+          <a:xfrm>
+            <a:off x="2491126" y="3441305"/>
+            <a:ext cx="2594605" cy="539994"/>
+          </a:xfrm>
+          <a:prstGeom prst="rect">
+            <a:avLst/>
+          </a:prstGeom>
+        </p:spPr>
+      </p:pic>
+      <p:pic>
+        <p:nvPicPr>
+          <p:cNvPr id="12" name="Image 11">
+            <a:extLst>
+              <a:ext uri="{FF2B5EF4-FFF2-40B4-BE49-F238E27FC236}">
+                <a16:creationId xmlns:a16="http://schemas.microsoft.com/office/drawing/2014/main" id="{2C8784CA-F351-4A24-93AB-2E1B1F438D64}"/>
+              </a:ext>
+            </a:extLst>
+          </p:cNvPr>
+          <p:cNvPicPr>
+            <a:picLocks noChangeAspect="1"/>
+          </p:cNvPicPr>
+          <p:nvPr/>
+        </p:nvPicPr>
+        <p:blipFill>
+          <a:blip r:embed="rId7"/>
+          <a:stretch>
+            <a:fillRect/>
+          </a:stretch>
+        </p:blipFill>
+        <p:spPr>
+          <a:xfrm>
+            <a:off x="2116635" y="4643648"/>
+            <a:ext cx="3102565" cy="811271"/>
+          </a:xfrm>
+          <a:prstGeom prst="rect">
+            <a:avLst/>
+          </a:prstGeom>
+        </p:spPr>
+      </p:pic>
+      <p:sp>
+        <p:nvSpPr>
+          <p:cNvPr id="13" name="ZoneTexte 12">
+            <a:extLst>
+              <a:ext uri="{FF2B5EF4-FFF2-40B4-BE49-F238E27FC236}">
+                <a16:creationId xmlns:a16="http://schemas.microsoft.com/office/drawing/2014/main" id="{CFF45EE9-90C0-488F-8485-3F259D74BAAA}"/>
               </a:ext>
             </a:extLst>
           </p:cNvPr>
@@ -4707,8 +4966,8 @@
         </p:nvSpPr>
         <p:spPr>
           <a:xfrm>
-            <a:off x="6959600" y="2443997"/>
-            <a:ext cx="4102100" cy="646331"/>
+            <a:off x="5219200" y="3528087"/>
+            <a:ext cx="916645" cy="369332"/>
           </a:xfrm>
           <a:prstGeom prst="rect">
             <a:avLst/>
@@ -4722,26 +4981,73 @@
           <a:lstStyle/>
           <a:p>
             <a:r>
-              <a:rPr lang="fr-BE" dirty="0"/>
-              <a:t>Update de (</a:t>
-            </a:r>
-            <a:r>
-              <a:rPr lang="fr-BE" dirty="0" err="1"/>
-              <a:t>d,v</a:t>
-            </a:r>
-            <a:r>
-              <a:rPr lang="fr-BE" dirty="0"/>
-              <a:t>):</a:t>
-            </a:r>
-          </a:p>
-          <a:p>
-            <a:pPr marL="285750" indent="-285750">
-              <a:buFont typeface="Arial" panose="020B0604020202020204" pitchFamily="34" charset="0"/>
-              <a:buChar char="•"/>
-            </a:pPr>
-            <a:r>
-              <a:rPr lang="fr-BE" dirty="0"/>
-              <a:t>Point max du spectre micro-Doppler</a:t>
+              <a:rPr lang="fr-LU" dirty="0"/>
+              <a:t>où</a:t>
+            </a:r>
+          </a:p>
+        </p:txBody>
+      </p:sp>
+      <p:pic>
+        <p:nvPicPr>
+          <p:cNvPr id="17" name="Image 16">
+            <a:extLst>
+              <a:ext uri="{FF2B5EF4-FFF2-40B4-BE49-F238E27FC236}">
+                <a16:creationId xmlns:a16="http://schemas.microsoft.com/office/drawing/2014/main" id="{44A7FA96-DB1E-4F1E-B573-A6D5AC0E5F80}"/>
+              </a:ext>
+            </a:extLst>
+          </p:cNvPr>
+          <p:cNvPicPr>
+            <a:picLocks noChangeAspect="1"/>
+          </p:cNvPicPr>
+          <p:nvPr/>
+        </p:nvPicPr>
+        <p:blipFill>
+          <a:blip r:embed="rId8"/>
+          <a:stretch>
+            <a:fillRect/>
+          </a:stretch>
+        </p:blipFill>
+        <p:spPr>
+          <a:xfrm>
+            <a:off x="8784229" y="1308925"/>
+            <a:ext cx="2776400" cy="667742"/>
+          </a:xfrm>
+          <a:prstGeom prst="rect">
+            <a:avLst/>
+          </a:prstGeom>
+        </p:spPr>
+      </p:pic>
+      <p:sp>
+        <p:nvSpPr>
+          <p:cNvPr id="20" name="ZoneTexte 19">
+            <a:extLst>
+              <a:ext uri="{FF2B5EF4-FFF2-40B4-BE49-F238E27FC236}">
+                <a16:creationId xmlns:a16="http://schemas.microsoft.com/office/drawing/2014/main" id="{B091F21F-2E53-45E1-97A4-E857E74AC9DA}"/>
+              </a:ext>
+            </a:extLst>
+          </p:cNvPr>
+          <p:cNvSpPr txBox="1"/>
+          <p:nvPr/>
+        </p:nvSpPr>
+        <p:spPr>
+          <a:xfrm>
+            <a:off x="672541" y="4702334"/>
+            <a:ext cx="1723167" cy="646331"/>
+          </a:xfrm>
+          <a:prstGeom prst="rect">
+            <a:avLst/>
+          </a:prstGeom>
+          <a:noFill/>
+        </p:spPr>
+        <p:txBody>
+          <a:bodyPr wrap="square" rtlCol="0">
+            <a:spAutoFit/>
+          </a:bodyPr>
+          <a:lstStyle/>
+          <a:p>
+            <a:r>
+              <a:rPr lang="fr-LU" dirty="0"/>
+              <a:t>Distance probabiliste </a:t>
             </a:r>
           </a:p>
         </p:txBody>
@@ -4749,7 +5055,7 @@
     </p:spTree>
     <p:extLst>
       <p:ext uri="{BB962C8B-B14F-4D97-AF65-F5344CB8AC3E}">
-        <p14:creationId xmlns:p14="http://schemas.microsoft.com/office/powerpoint/2010/main" val="1925102773"/>
+        <p14:creationId xmlns:p14="http://schemas.microsoft.com/office/powerpoint/2010/main" val="690652628"/>
       </p:ext>
     </p:extLst>
   </p:cSld>
@@ -4778,48 +5084,10 @@
       </p:grpSpPr>
       <p:sp>
         <p:nvSpPr>
-          <p:cNvPr id="2" name="Titre 1">
-            <a:extLst>
-              <a:ext uri="{FF2B5EF4-FFF2-40B4-BE49-F238E27FC236}">
-                <a16:creationId xmlns:a16="http://schemas.microsoft.com/office/drawing/2014/main" id="{922DACB0-A596-44FE-A02F-AD6C394D2DD1}"/>
-              </a:ext>
-            </a:extLst>
-          </p:cNvPr>
-          <p:cNvSpPr>
-            <a:spLocks noGrp="1"/>
-          </p:cNvSpPr>
-          <p:nvPr>
-            <p:ph type="title"/>
-          </p:nvPr>
-        </p:nvSpPr>
-        <p:spPr/>
-        <p:txBody>
-          <a:bodyPr>
-            <a:normAutofit/>
-          </a:bodyPr>
-          <a:lstStyle/>
-          <a:p>
-            <a:r>
-              <a:rPr lang="fr-BE" sz="4000" dirty="0"/>
-              <a:t>Extraction de (</a:t>
-            </a:r>
-            <a:r>
-              <a:rPr lang="fr-BE" sz="4000" dirty="0" err="1"/>
-              <a:t>theta</a:t>
-            </a:r>
-            <a:r>
-              <a:rPr lang="fr-BE" sz="4000" dirty="0"/>
-              <a:t>, phi)</a:t>
-            </a:r>
-          </a:p>
-        </p:txBody>
-      </p:sp>
-      <p:sp>
-        <p:nvSpPr>
-          <p:cNvPr id="4" name="ZoneTexte 3">
-            <a:extLst>
-              <a:ext uri="{FF2B5EF4-FFF2-40B4-BE49-F238E27FC236}">
-                <a16:creationId xmlns:a16="http://schemas.microsoft.com/office/drawing/2014/main" id="{0B3D1F43-3E30-4263-B868-F21B1BACA4C4}"/>
+          <p:cNvPr id="2" name="ZoneTexte 1">
+            <a:extLst>
+              <a:ext uri="{FF2B5EF4-FFF2-40B4-BE49-F238E27FC236}">
+                <a16:creationId xmlns:a16="http://schemas.microsoft.com/office/drawing/2014/main" id="{38B012A5-04CE-4296-98C4-1189BA44BD76}"/>
               </a:ext>
             </a:extLst>
           </p:cNvPr>
@@ -4828,8 +5096,8 @@
         </p:nvSpPr>
         <p:spPr>
           <a:xfrm>
-            <a:off x="1117600" y="2235200"/>
-            <a:ext cx="1282700" cy="369332"/>
+            <a:off x="1484416" y="724395"/>
+            <a:ext cx="5605153" cy="5078313"/>
           </a:xfrm>
           <a:prstGeom prst="rect">
             <a:avLst/>
@@ -4843,148 +5111,174 @@
           <a:lstStyle/>
           <a:p>
             <a:r>
-              <a:rPr lang="fr-BE" dirty="0"/>
-              <a:t>frame</a:t>
-            </a:r>
-          </a:p>
-        </p:txBody>
-      </p:sp>
-      <p:cxnSp>
-        <p:nvCxnSpPr>
-          <p:cNvPr id="6" name="Connecteur droit avec flèche 5">
-            <a:extLst>
-              <a:ext uri="{FF2B5EF4-FFF2-40B4-BE49-F238E27FC236}">
-                <a16:creationId xmlns:a16="http://schemas.microsoft.com/office/drawing/2014/main" id="{4A9CA2C9-35C7-4C2F-9AC5-AD378C9B0D18}"/>
-              </a:ext>
-            </a:extLst>
-          </p:cNvPr>
-          <p:cNvCxnSpPr/>
+              <a:rPr lang="fr-LU" dirty="0"/>
+              <a:t>3) 	Etape d’actualisation(update)</a:t>
+            </a:r>
+          </a:p>
+          <a:p>
+            <a:pPr marL="342900" indent="-342900">
+              <a:buAutoNum type="arabicParenR"/>
+            </a:pPr>
+            <a:endParaRPr lang="fr-LU" dirty="0"/>
+          </a:p>
+          <a:p>
+            <a:pPr marL="342900" indent="-342900">
+              <a:buAutoNum type="arabicParenR"/>
+            </a:pPr>
+            <a:endParaRPr lang="fr-LU" dirty="0"/>
+          </a:p>
+          <a:p>
+            <a:pPr marL="342900" indent="-342900">
+              <a:buAutoNum type="arabicParenR"/>
+            </a:pPr>
+            <a:endParaRPr lang="fr-LU" dirty="0"/>
+          </a:p>
+          <a:p>
+            <a:pPr marL="342900" indent="-342900">
+              <a:buAutoNum type="arabicParenR"/>
+            </a:pPr>
+            <a:endParaRPr lang="fr-LU" dirty="0"/>
+          </a:p>
+          <a:p>
+            <a:pPr marL="342900" indent="-342900">
+              <a:buAutoNum type="arabicParenR"/>
+            </a:pPr>
+            <a:endParaRPr lang="fr-LU" dirty="0"/>
+          </a:p>
+          <a:p>
+            <a:pPr marL="342900" indent="-342900">
+              <a:buAutoNum type="arabicParenR"/>
+            </a:pPr>
+            <a:endParaRPr lang="fr-LU" dirty="0"/>
+          </a:p>
+          <a:p>
+            <a:pPr marL="342900" indent="-342900">
+              <a:buAutoNum type="arabicParenR"/>
+            </a:pPr>
+            <a:endParaRPr lang="fr-LU" dirty="0"/>
+          </a:p>
+          <a:p>
+            <a:pPr marL="342900" indent="-342900">
+              <a:buAutoNum type="arabicParenR"/>
+            </a:pPr>
+            <a:endParaRPr lang="fr-LU" dirty="0"/>
+          </a:p>
+          <a:p>
+            <a:pPr marL="342900" indent="-342900">
+              <a:buAutoNum type="arabicParenR"/>
+            </a:pPr>
+            <a:endParaRPr lang="fr-LU" dirty="0"/>
+          </a:p>
+          <a:p>
+            <a:pPr marL="342900" indent="-342900">
+              <a:buAutoNum type="arabicParenR"/>
+            </a:pPr>
+            <a:endParaRPr lang="fr-LU" dirty="0"/>
+          </a:p>
+          <a:p>
+            <a:pPr marL="342900" indent="-342900">
+              <a:buAutoNum type="arabicParenR"/>
+            </a:pPr>
+            <a:endParaRPr lang="fr-LU" dirty="0"/>
+          </a:p>
+          <a:p>
+            <a:pPr marL="342900" indent="-342900">
+              <a:buAutoNum type="arabicParenR"/>
+            </a:pPr>
+            <a:endParaRPr lang="fr-LU" dirty="0"/>
+          </a:p>
+          <a:p>
+            <a:pPr marL="2628900" lvl="5" indent="-342900">
+              <a:buAutoNum type="arabicParenR"/>
+            </a:pPr>
+            <a:endParaRPr lang="fr-LU" dirty="0"/>
+          </a:p>
+          <a:p>
+            <a:pPr marL="342900" indent="-342900">
+              <a:buAutoNum type="arabicParenR"/>
+            </a:pPr>
+            <a:endParaRPr lang="fr-LU" dirty="0"/>
+          </a:p>
+          <a:p>
+            <a:endParaRPr lang="fr-LU" dirty="0"/>
+          </a:p>
+          <a:p>
+            <a:r>
+              <a:rPr lang="fr-LU" dirty="0"/>
+              <a:t>4) 	Etape de filtrage des pistes</a:t>
+            </a:r>
+          </a:p>
+          <a:p>
+            <a:endParaRPr lang="fr-LU" dirty="0"/>
+          </a:p>
+        </p:txBody>
+      </p:sp>
+      <p:pic>
+        <p:nvPicPr>
+          <p:cNvPr id="4" name="Image 3">
+            <a:extLst>
+              <a:ext uri="{FF2B5EF4-FFF2-40B4-BE49-F238E27FC236}">
+                <a16:creationId xmlns:a16="http://schemas.microsoft.com/office/drawing/2014/main" id="{6829806C-E3D3-4FCA-853C-452F57CD24F8}"/>
+              </a:ext>
+            </a:extLst>
+          </p:cNvPr>
+          <p:cNvPicPr>
+            <a:picLocks noChangeAspect="1"/>
+          </p:cNvPicPr>
           <p:nvPr/>
-        </p:nvCxnSpPr>
-        <p:spPr>
-          <a:xfrm>
-            <a:off x="1917700" y="2451100"/>
-            <a:ext cx="482600" cy="0"/>
-          </a:xfrm>
-          <a:prstGeom prst="straightConnector1">
-            <a:avLst/>
-          </a:prstGeom>
-          <a:ln>
-            <a:tailEnd type="triangle"/>
-          </a:ln>
-        </p:spPr>
-        <p:style>
-          <a:lnRef idx="1">
-            <a:schemeClr val="dk1"/>
-          </a:lnRef>
-          <a:fillRef idx="0">
-            <a:schemeClr val="dk1"/>
-          </a:fillRef>
-          <a:effectRef idx="0">
-            <a:schemeClr val="dk1"/>
-          </a:effectRef>
-          <a:fontRef idx="minor">
-            <a:schemeClr val="tx1"/>
-          </a:fontRef>
-        </p:style>
-      </p:cxnSp>
-      <p:sp>
-        <p:nvSpPr>
-          <p:cNvPr id="7" name="Rectangle 6">
-            <a:extLst>
-              <a:ext uri="{FF2B5EF4-FFF2-40B4-BE49-F238E27FC236}">
-                <a16:creationId xmlns:a16="http://schemas.microsoft.com/office/drawing/2014/main" id="{168568CD-FCF2-4C22-BDFC-8FC08B00A646}"/>
-              </a:ext>
-            </a:extLst>
-          </p:cNvPr>
-          <p:cNvSpPr/>
+        </p:nvPicPr>
+        <p:blipFill>
+          <a:blip r:embed="rId2"/>
+          <a:stretch>
+            <a:fillRect/>
+          </a:stretch>
+        </p:blipFill>
+        <p:spPr>
+          <a:xfrm>
+            <a:off x="4902406" y="1009959"/>
+            <a:ext cx="6496050" cy="942975"/>
+          </a:xfrm>
+          <a:prstGeom prst="rect">
+            <a:avLst/>
+          </a:prstGeom>
+        </p:spPr>
+      </p:pic>
+      <p:pic>
+        <p:nvPicPr>
+          <p:cNvPr id="6" name="Image 5">
+            <a:extLst>
+              <a:ext uri="{FF2B5EF4-FFF2-40B4-BE49-F238E27FC236}">
+                <a16:creationId xmlns:a16="http://schemas.microsoft.com/office/drawing/2014/main" id="{6A7E47F9-1374-4289-85FC-ADE1B605D4C3}"/>
+              </a:ext>
+            </a:extLst>
+          </p:cNvPr>
+          <p:cNvPicPr>
+            <a:picLocks noChangeAspect="1"/>
+          </p:cNvPicPr>
           <p:nvPr/>
-        </p:nvSpPr>
-        <p:spPr>
-          <a:xfrm>
-            <a:off x="2559050" y="2266457"/>
-            <a:ext cx="1282700" cy="369286"/>
+        </p:nvPicPr>
+        <p:blipFill>
+          <a:blip r:embed="rId3"/>
+          <a:stretch>
+            <a:fillRect/>
+          </a:stretch>
+        </p:blipFill>
+        <p:spPr>
+          <a:xfrm>
+            <a:off x="4902406" y="2338079"/>
+            <a:ext cx="1800225" cy="371475"/>
           </a:xfrm>
           <a:prstGeom prst="rect">
             <a:avLst/>
           </a:prstGeom>
-          <a:ln>
-            <a:solidFill>
-              <a:schemeClr val="tx1"/>
-            </a:solidFill>
-          </a:ln>
-        </p:spPr>
-        <p:style>
-          <a:lnRef idx="2">
-            <a:schemeClr val="accent6"/>
-          </a:lnRef>
-          <a:fillRef idx="1">
-            <a:schemeClr val="lt1"/>
-          </a:fillRef>
-          <a:effectRef idx="0">
-            <a:schemeClr val="accent6"/>
-          </a:effectRef>
-          <a:fontRef idx="minor">
-            <a:schemeClr val="dk1"/>
-          </a:fontRef>
-        </p:style>
-        <p:txBody>
-          <a:bodyPr rtlCol="0" anchor="ctr"/>
-          <a:lstStyle/>
-          <a:p>
-            <a:pPr algn="ctr"/>
-            <a:r>
-              <a:rPr lang="fr-BE" dirty="0"/>
-              <a:t>YOLO</a:t>
-            </a:r>
-          </a:p>
-        </p:txBody>
-      </p:sp>
-      <p:cxnSp>
-        <p:nvCxnSpPr>
-          <p:cNvPr id="10" name="Connecteur droit avec flèche 9">
-            <a:extLst>
-              <a:ext uri="{FF2B5EF4-FFF2-40B4-BE49-F238E27FC236}">
-                <a16:creationId xmlns:a16="http://schemas.microsoft.com/office/drawing/2014/main" id="{8F70C00B-5018-4EA7-AB18-C7057BADBD22}"/>
-              </a:ext>
-            </a:extLst>
-          </p:cNvPr>
-          <p:cNvCxnSpPr/>
-          <p:nvPr/>
-        </p:nvCxnSpPr>
-        <p:spPr>
-          <a:xfrm>
-            <a:off x="4025900" y="2451100"/>
-            <a:ext cx="482600" cy="0"/>
-          </a:xfrm>
-          <a:prstGeom prst="straightConnector1">
-            <a:avLst/>
-          </a:prstGeom>
-          <a:ln>
-            <a:tailEnd type="triangle"/>
-          </a:ln>
-        </p:spPr>
-        <p:style>
-          <a:lnRef idx="1">
-            <a:schemeClr val="dk1"/>
-          </a:lnRef>
-          <a:fillRef idx="0">
-            <a:schemeClr val="dk1"/>
-          </a:fillRef>
-          <a:effectRef idx="0">
-            <a:schemeClr val="dk1"/>
-          </a:effectRef>
-          <a:fontRef idx="minor">
-            <a:schemeClr val="tx1"/>
-          </a:fontRef>
-        </p:style>
-      </p:cxnSp>
-      <p:sp>
-        <p:nvSpPr>
-          <p:cNvPr id="11" name="ZoneTexte 10">
-            <a:extLst>
-              <a:ext uri="{FF2B5EF4-FFF2-40B4-BE49-F238E27FC236}">
-                <a16:creationId xmlns:a16="http://schemas.microsoft.com/office/drawing/2014/main" id="{4C5FA6CE-793B-4F63-A9EA-479EB3B23BFB}"/>
+        </p:spPr>
+      </p:pic>
+      <p:sp>
+        <p:nvSpPr>
+          <p:cNvPr id="7" name="ZoneTexte 6">
+            <a:extLst>
+              <a:ext uri="{FF2B5EF4-FFF2-40B4-BE49-F238E27FC236}">
+                <a16:creationId xmlns:a16="http://schemas.microsoft.com/office/drawing/2014/main" id="{45E8362C-3C9D-4C0C-9760-916976F75D66}"/>
               </a:ext>
             </a:extLst>
           </p:cNvPr>
@@ -4993,8 +5287,8 @@
         </p:nvSpPr>
         <p:spPr>
           <a:xfrm>
-            <a:off x="4737100" y="1955800"/>
-            <a:ext cx="4895850" cy="923330"/>
+            <a:off x="1238498" y="1350164"/>
+            <a:ext cx="3598224" cy="646331"/>
           </a:xfrm>
           <a:prstGeom prst="rect">
             <a:avLst/>
@@ -5008,50 +5302,18 @@
           <a:lstStyle/>
           <a:p>
             <a:r>
-              <a:rPr lang="fr-BE" dirty="0" err="1"/>
-              <a:t>xc,yc</a:t>
-            </a:r>
-            <a:r>
-              <a:rPr lang="fr-BE" dirty="0"/>
-              <a:t>: coordonnées du centre de la </a:t>
-            </a:r>
-            <a:r>
-              <a:rPr lang="fr-BE" dirty="0" err="1"/>
-              <a:t>bounding</a:t>
-            </a:r>
-            <a:r>
-              <a:rPr lang="fr-BE" dirty="0"/>
-              <a:t> box</a:t>
-            </a:r>
-          </a:p>
-          <a:p>
-            <a:r>
-              <a:rPr lang="fr-BE" dirty="0"/>
-              <a:t>W,H: largeur/hauteur de la </a:t>
-            </a:r>
-            <a:r>
-              <a:rPr lang="fr-BE" dirty="0" err="1"/>
-              <a:t>bounding</a:t>
-            </a:r>
-            <a:r>
-              <a:rPr lang="fr-BE" dirty="0"/>
-              <a:t> box</a:t>
-            </a:r>
-          </a:p>
-          <a:p>
-            <a:r>
-              <a:rPr lang="fr-BE" dirty="0"/>
-              <a:t>Classe de l’instance</a:t>
-            </a:r>
-          </a:p>
-        </p:txBody>
-      </p:sp>
-      <p:sp>
-        <p:nvSpPr>
-          <p:cNvPr id="12" name="ZoneTexte 11">
-            <a:extLst>
-              <a:ext uri="{FF2B5EF4-FFF2-40B4-BE49-F238E27FC236}">
-                <a16:creationId xmlns:a16="http://schemas.microsoft.com/office/drawing/2014/main" id="{BB99045E-4989-4BD1-8C45-53B32E9A4680}"/>
+              <a:rPr lang="fr-LU" dirty="0"/>
+              <a:t>La probabilité pondérée de chaque détection j, associée à la piste i</a:t>
+            </a:r>
+          </a:p>
+        </p:txBody>
+      </p:sp>
+      <p:sp>
+        <p:nvSpPr>
+          <p:cNvPr id="8" name="ZoneTexte 7">
+            <a:extLst>
+              <a:ext uri="{FF2B5EF4-FFF2-40B4-BE49-F238E27FC236}">
+                <a16:creationId xmlns:a16="http://schemas.microsoft.com/office/drawing/2014/main" id="{C66D8C11-ECB3-4AA2-A312-E0FF25A85607}"/>
               </a:ext>
             </a:extLst>
           </p:cNvPr>
@@ -5060,43 +5322,8 @@
         </p:nvSpPr>
         <p:spPr>
           <a:xfrm>
-            <a:off x="838200" y="3429000"/>
-            <a:ext cx="2011384" cy="369332"/>
-          </a:xfrm>
-          <a:prstGeom prst="rect">
-            <a:avLst/>
-          </a:prstGeom>
-          <a:noFill/>
-        </p:spPr>
-        <p:txBody>
-          <a:bodyPr wrap="none" rtlCol="0">
-            <a:spAutoFit/>
-          </a:bodyPr>
-          <a:lstStyle/>
-          <a:p>
-            <a:r>
-              <a:rPr lang="fr-BE" dirty="0"/>
-              <a:t>Camera calibration:</a:t>
-            </a:r>
-          </a:p>
-        </p:txBody>
-      </p:sp>
-      <p:sp>
-        <p:nvSpPr>
-          <p:cNvPr id="13" name="ZoneTexte 12">
-            <a:extLst>
-              <a:ext uri="{FF2B5EF4-FFF2-40B4-BE49-F238E27FC236}">
-                <a16:creationId xmlns:a16="http://schemas.microsoft.com/office/drawing/2014/main" id="{9B3BC1E9-7989-4CED-948D-D721613DE385}"/>
-              </a:ext>
-            </a:extLst>
-          </p:cNvPr>
-          <p:cNvSpPr txBox="1"/>
-          <p:nvPr/>
-        </p:nvSpPr>
-        <p:spPr>
-          <a:xfrm>
-            <a:off x="1117600" y="3987800"/>
-            <a:ext cx="1731984" cy="646331"/>
+            <a:off x="1238498" y="2338079"/>
+            <a:ext cx="2208810" cy="371475"/>
           </a:xfrm>
           <a:prstGeom prst="rect">
             <a:avLst/>
@@ -5110,67 +5337,53 @@
           <a:lstStyle/>
           <a:p>
             <a:r>
-              <a:rPr lang="fr-BE" dirty="0"/>
-              <a:t>Point 2D (</a:t>
-            </a:r>
-            <a:r>
-              <a:rPr lang="fr-BE" dirty="0" err="1"/>
-              <a:t>xc,yc</a:t>
-            </a:r>
-            <a:r>
-              <a:rPr lang="fr-BE" dirty="0"/>
-              <a:t>) de l’image</a:t>
-            </a:r>
-          </a:p>
-        </p:txBody>
-      </p:sp>
-      <p:cxnSp>
-        <p:nvCxnSpPr>
-          <p:cNvPr id="15" name="Connecteur droit avec flèche 14">
-            <a:extLst>
-              <a:ext uri="{FF2B5EF4-FFF2-40B4-BE49-F238E27FC236}">
-                <a16:creationId xmlns:a16="http://schemas.microsoft.com/office/drawing/2014/main" id="{C6C08A70-2FC8-4C51-BFC9-556A1AA4120C}"/>
-              </a:ext>
-            </a:extLst>
-          </p:cNvPr>
-          <p:cNvCxnSpPr>
-            <a:stCxn id="13" idx="3"/>
-          </p:cNvCxnSpPr>
+              <a:rPr lang="fr-LU" dirty="0"/>
+              <a:t>Gain de </a:t>
+            </a:r>
+            <a:r>
+              <a:rPr lang="fr-LU" dirty="0" err="1"/>
+              <a:t>Kalman</a:t>
+            </a:r>
+            <a:endParaRPr lang="fr-LU" dirty="0"/>
+          </a:p>
+        </p:txBody>
+      </p:sp>
+      <p:pic>
+        <p:nvPicPr>
+          <p:cNvPr id="10" name="Image 9">
+            <a:extLst>
+              <a:ext uri="{FF2B5EF4-FFF2-40B4-BE49-F238E27FC236}">
+                <a16:creationId xmlns:a16="http://schemas.microsoft.com/office/drawing/2014/main" id="{ACCB6C6F-38E3-4AA0-B8CD-0C4E8F3EA503}"/>
+              </a:ext>
+            </a:extLst>
+          </p:cNvPr>
+          <p:cNvPicPr>
+            <a:picLocks noChangeAspect="1"/>
+          </p:cNvPicPr>
           <p:nvPr/>
-        </p:nvCxnSpPr>
-        <p:spPr>
-          <a:xfrm flipV="1">
-            <a:off x="2849584" y="4305300"/>
-            <a:ext cx="2243116" cy="5666"/>
-          </a:xfrm>
-          <a:prstGeom prst="straightConnector1">
-            <a:avLst/>
-          </a:prstGeom>
-          <a:ln>
-            <a:tailEnd type="triangle"/>
-          </a:ln>
-        </p:spPr>
-        <p:style>
-          <a:lnRef idx="1">
-            <a:schemeClr val="dk1"/>
-          </a:lnRef>
-          <a:fillRef idx="0">
-            <a:schemeClr val="dk1"/>
-          </a:fillRef>
-          <a:effectRef idx="0">
-            <a:schemeClr val="dk1"/>
-          </a:effectRef>
-          <a:fontRef idx="minor">
-            <a:schemeClr val="tx1"/>
-          </a:fontRef>
-        </p:style>
-      </p:cxnSp>
-      <p:sp>
-        <p:nvSpPr>
-          <p:cNvPr id="16" name="ZoneTexte 15">
-            <a:extLst>
-              <a:ext uri="{FF2B5EF4-FFF2-40B4-BE49-F238E27FC236}">
-                <a16:creationId xmlns:a16="http://schemas.microsoft.com/office/drawing/2014/main" id="{629F8084-C8C0-4516-B8BA-B813740CE47F}"/>
+        </p:nvPicPr>
+        <p:blipFill>
+          <a:blip r:embed="rId4"/>
+          <a:stretch>
+            <a:fillRect/>
+          </a:stretch>
+        </p:blipFill>
+        <p:spPr>
+          <a:xfrm>
+            <a:off x="4895479" y="2928536"/>
+            <a:ext cx="3048000" cy="790575"/>
+          </a:xfrm>
+          <a:prstGeom prst="rect">
+            <a:avLst/>
+          </a:prstGeom>
+        </p:spPr>
+      </p:pic>
+      <p:sp>
+        <p:nvSpPr>
+          <p:cNvPr id="11" name="ZoneTexte 10">
+            <a:extLst>
+              <a:ext uri="{FF2B5EF4-FFF2-40B4-BE49-F238E27FC236}">
+                <a16:creationId xmlns:a16="http://schemas.microsoft.com/office/drawing/2014/main" id="{28737040-F7E2-4E95-B549-73F29C27DFB3}"/>
               </a:ext>
             </a:extLst>
           </p:cNvPr>
@@ -5179,8 +5392,8 @@
         </p:nvSpPr>
         <p:spPr>
           <a:xfrm>
-            <a:off x="5264149" y="3987800"/>
-            <a:ext cx="1663702" cy="646331"/>
+            <a:off x="1238498" y="3111335"/>
+            <a:ext cx="2015341" cy="646331"/>
           </a:xfrm>
           <a:prstGeom prst="rect">
             <a:avLst/>
@@ -5194,18 +5407,18 @@
           <a:lstStyle/>
           <a:p>
             <a:r>
-              <a:rPr lang="fr-BE" dirty="0"/>
-              <a:t>Point 3D (X,Y,Z) correspondant</a:t>
-            </a:r>
-          </a:p>
-        </p:txBody>
-      </p:sp>
-      <p:sp>
-        <p:nvSpPr>
-          <p:cNvPr id="17" name="ZoneTexte 16">
-            <a:extLst>
-              <a:ext uri="{FF2B5EF4-FFF2-40B4-BE49-F238E27FC236}">
-                <a16:creationId xmlns:a16="http://schemas.microsoft.com/office/drawing/2014/main" id="{ECDD1645-45C8-4996-BF23-E25FF9D0F6D9}"/>
+              <a:rPr lang="fr-LU" dirty="0"/>
+              <a:t>Actualisation du vecteur d’état</a:t>
+            </a:r>
+          </a:p>
+        </p:txBody>
+      </p:sp>
+      <p:sp>
+        <p:nvSpPr>
+          <p:cNvPr id="12" name="ZoneTexte 11">
+            <a:extLst>
+              <a:ext uri="{FF2B5EF4-FFF2-40B4-BE49-F238E27FC236}">
+                <a16:creationId xmlns:a16="http://schemas.microsoft.com/office/drawing/2014/main" id="{233308F3-93FE-4FAE-A9FC-87956486A6BF}"/>
               </a:ext>
             </a:extLst>
           </p:cNvPr>
@@ -5214,8 +5427,8 @@
         </p:nvSpPr>
         <p:spPr>
           <a:xfrm>
-            <a:off x="3021033" y="3852926"/>
-            <a:ext cx="2343145" cy="369332"/>
+            <a:off x="1238498" y="3978234"/>
+            <a:ext cx="1765959" cy="923330"/>
           </a:xfrm>
           <a:prstGeom prst="rect">
             <a:avLst/>
@@ -5229,57 +5442,48 @@
           <a:lstStyle/>
           <a:p>
             <a:r>
-              <a:rPr lang="fr-BE" dirty="0"/>
-              <a:t>Coord. Homogènes</a:t>
-            </a:r>
-          </a:p>
-        </p:txBody>
-      </p:sp>
-      <p:cxnSp>
-        <p:nvCxnSpPr>
-          <p:cNvPr id="18" name="Connecteur droit avec flèche 17">
-            <a:extLst>
-              <a:ext uri="{FF2B5EF4-FFF2-40B4-BE49-F238E27FC236}">
-                <a16:creationId xmlns:a16="http://schemas.microsoft.com/office/drawing/2014/main" id="{AA7C8660-0E17-455C-86A5-D04963A091DF}"/>
-              </a:ext>
-            </a:extLst>
-          </p:cNvPr>
-          <p:cNvCxnSpPr/>
+              <a:rPr lang="fr-LU" dirty="0"/>
+              <a:t>Actualisation du matrice de covariance</a:t>
+            </a:r>
+          </a:p>
+        </p:txBody>
+      </p:sp>
+      <p:pic>
+        <p:nvPicPr>
+          <p:cNvPr id="14" name="Image 13">
+            <a:extLst>
+              <a:ext uri="{FF2B5EF4-FFF2-40B4-BE49-F238E27FC236}">
+                <a16:creationId xmlns:a16="http://schemas.microsoft.com/office/drawing/2014/main" id="{3D6A6486-D87A-41BA-ACA0-3CD9FD55FEE5}"/>
+              </a:ext>
+            </a:extLst>
+          </p:cNvPr>
+          <p:cNvPicPr>
+            <a:picLocks noChangeAspect="1"/>
+          </p:cNvPicPr>
           <p:nvPr/>
-        </p:nvCxnSpPr>
-        <p:spPr>
-          <a:xfrm flipV="1">
-            <a:off x="7086600" y="4299634"/>
-            <a:ext cx="2243116" cy="5666"/>
-          </a:xfrm>
-          <a:prstGeom prst="straightConnector1">
-            <a:avLst/>
-          </a:prstGeom>
-          <a:ln>
-            <a:tailEnd type="triangle"/>
-          </a:ln>
-        </p:spPr>
-        <p:style>
-          <a:lnRef idx="1">
-            <a:schemeClr val="dk1"/>
-          </a:lnRef>
-          <a:fillRef idx="0">
-            <a:schemeClr val="dk1"/>
-          </a:fillRef>
-          <a:effectRef idx="0">
-            <a:schemeClr val="dk1"/>
-          </a:effectRef>
-          <a:fontRef idx="minor">
-            <a:schemeClr val="tx1"/>
-          </a:fontRef>
-        </p:style>
-      </p:cxnSp>
-      <p:sp>
-        <p:nvSpPr>
-          <p:cNvPr id="19" name="ZoneTexte 18">
-            <a:extLst>
-              <a:ext uri="{FF2B5EF4-FFF2-40B4-BE49-F238E27FC236}">
-                <a16:creationId xmlns:a16="http://schemas.microsoft.com/office/drawing/2014/main" id="{9CF32692-ACEF-49EE-AA34-CC57DD30E313}"/>
+        </p:nvPicPr>
+        <p:blipFill>
+          <a:blip r:embed="rId5"/>
+          <a:stretch>
+            <a:fillRect/>
+          </a:stretch>
+        </p:blipFill>
+        <p:spPr>
+          <a:xfrm>
+            <a:off x="4286992" y="3938093"/>
+            <a:ext cx="5605153" cy="1161431"/>
+          </a:xfrm>
+          <a:prstGeom prst="rect">
+            <a:avLst/>
+          </a:prstGeom>
+        </p:spPr>
+      </p:pic>
+      <p:sp>
+        <p:nvSpPr>
+          <p:cNvPr id="15" name="ZoneTexte 14">
+            <a:extLst>
+              <a:ext uri="{FF2B5EF4-FFF2-40B4-BE49-F238E27FC236}">
+                <a16:creationId xmlns:a16="http://schemas.microsoft.com/office/drawing/2014/main" id="{DB0D88C5-4EF6-4932-A4F5-1906B5E2E1E5}"/>
               </a:ext>
             </a:extLst>
           </p:cNvPr>
@@ -5288,8 +5492,8 @@
         </p:nvSpPr>
         <p:spPr>
           <a:xfrm>
-            <a:off x="9488465" y="4114968"/>
-            <a:ext cx="1181100" cy="369332"/>
+            <a:off x="1484416" y="5764273"/>
+            <a:ext cx="9851868" cy="369332"/>
           </a:xfrm>
           <a:prstGeom prst="rect">
             <a:avLst/>
@@ -5303,47 +5507,8 @@
           <a:lstStyle/>
           <a:p>
             <a:r>
-              <a:rPr lang="fr-BE" dirty="0" err="1"/>
-              <a:t>Theta</a:t>
-            </a:r>
-            <a:r>
-              <a:rPr lang="fr-BE" dirty="0"/>
-              <a:t>, phi</a:t>
-            </a:r>
-          </a:p>
-        </p:txBody>
-      </p:sp>
-      <p:sp>
-        <p:nvSpPr>
-          <p:cNvPr id="20" name="ZoneTexte 19">
-            <a:extLst>
-              <a:ext uri="{FF2B5EF4-FFF2-40B4-BE49-F238E27FC236}">
-                <a16:creationId xmlns:a16="http://schemas.microsoft.com/office/drawing/2014/main" id="{495E1691-F874-42A8-B0FA-F5C7133562F7}"/>
-              </a:ext>
-            </a:extLst>
-          </p:cNvPr>
-          <p:cNvSpPr txBox="1"/>
-          <p:nvPr/>
-        </p:nvSpPr>
-        <p:spPr>
-          <a:xfrm>
-            <a:off x="7378700" y="3852926"/>
-            <a:ext cx="1951016" cy="369332"/>
-          </a:xfrm>
-          <a:prstGeom prst="rect">
-            <a:avLst/>
-          </a:prstGeom>
-          <a:noFill/>
-        </p:spPr>
-        <p:txBody>
-          <a:bodyPr wrap="square" rtlCol="0">
-            <a:spAutoFit/>
-          </a:bodyPr>
-          <a:lstStyle/>
-          <a:p>
-            <a:r>
-              <a:rPr lang="fr-BE" dirty="0"/>
-              <a:t>Coord. Sphériques</a:t>
+              <a:rPr lang="fr-LU" dirty="0"/>
+              <a:t>Les pistes sont triés</a:t>
             </a:r>
           </a:p>
         </p:txBody>
@@ -5351,7 +5516,7 @@
     </p:spTree>
     <p:extLst>
       <p:ext uri="{BB962C8B-B14F-4D97-AF65-F5344CB8AC3E}">
-        <p14:creationId xmlns:p14="http://schemas.microsoft.com/office/powerpoint/2010/main" val="331912191"/>
+        <p14:creationId xmlns:p14="http://schemas.microsoft.com/office/powerpoint/2010/main" val="587161674"/>
       </p:ext>
     </p:extLst>
   </p:cSld>
@@ -5380,10 +5545,10 @@
       </p:grpSpPr>
       <p:sp>
         <p:nvSpPr>
-          <p:cNvPr id="5" name="Titre 1">
-            <a:extLst>
-              <a:ext uri="{FF2B5EF4-FFF2-40B4-BE49-F238E27FC236}">
-                <a16:creationId xmlns:a16="http://schemas.microsoft.com/office/drawing/2014/main" id="{D0504F95-DDF8-4CB9-9CC9-3A0A8083D90D}"/>
+          <p:cNvPr id="2" name="Titre 1">
+            <a:extLst>
+              <a:ext uri="{FF2B5EF4-FFF2-40B4-BE49-F238E27FC236}">
+                <a16:creationId xmlns:a16="http://schemas.microsoft.com/office/drawing/2014/main" id="{8ACCD8D4-E370-4615-80D2-E56F06CD6802}"/>
               </a:ext>
             </a:extLst>
           </p:cNvPr>
@@ -5394,12 +5559,7 @@
             <p:ph type="title"/>
           </p:nvPr>
         </p:nvSpPr>
-        <p:spPr>
-          <a:xfrm>
-            <a:off x="838200" y="365125"/>
-            <a:ext cx="10515600" cy="1325563"/>
-          </a:xfrm>
-        </p:spPr>
+        <p:spPr/>
         <p:txBody>
           <a:bodyPr>
             <a:normAutofit/>
@@ -5412,21 +5572,21 @@
             </a:r>
             <a:r>
               <a:rPr lang="fr-BE" sz="4000" dirty="0" err="1"/>
-              <a:t>theta</a:t>
+              <a:t>d,v</a:t>
             </a:r>
             <a:r>
               <a:rPr lang="fr-BE" sz="4000" dirty="0"/>
-              <a:t>, phi)</a:t>
-            </a:r>
-          </a:p>
-        </p:txBody>
-      </p:sp>
-      <p:sp>
-        <p:nvSpPr>
-          <p:cNvPr id="6" name="ZoneTexte 5">
-            <a:extLst>
-              <a:ext uri="{FF2B5EF4-FFF2-40B4-BE49-F238E27FC236}">
-                <a16:creationId xmlns:a16="http://schemas.microsoft.com/office/drawing/2014/main" id="{F13EA60D-50CE-4435-959D-4099981A6EC1}"/>
+              <a:t>)</a:t>
+            </a:r>
+          </a:p>
+        </p:txBody>
+      </p:sp>
+      <p:sp>
+        <p:nvSpPr>
+          <p:cNvPr id="4" name="ZoneTexte 3">
+            <a:extLst>
+              <a:ext uri="{FF2B5EF4-FFF2-40B4-BE49-F238E27FC236}">
+                <a16:creationId xmlns:a16="http://schemas.microsoft.com/office/drawing/2014/main" id="{D6A78FF1-C74C-4793-AF19-39B3AD5E7E9B}"/>
               </a:ext>
             </a:extLst>
           </p:cNvPr>
@@ -5435,8 +5595,8 @@
         </p:nvSpPr>
         <p:spPr>
           <a:xfrm>
-            <a:off x="838200" y="1690688"/>
-            <a:ext cx="1982594" cy="369332"/>
+            <a:off x="838200" y="1549400"/>
+            <a:ext cx="4749800" cy="1879600"/>
           </a:xfrm>
           <a:prstGeom prst="rect">
             <a:avLst/>
@@ -5444,32 +5604,81 @@
           <a:noFill/>
         </p:spPr>
         <p:txBody>
-          <a:bodyPr wrap="none" rtlCol="0">
+          <a:bodyPr wrap="square" rtlCol="0">
             <a:spAutoFit/>
           </a:bodyPr>
           <a:lstStyle/>
           <a:p>
-            <a:r>
-              <a:rPr lang="fr-BE" dirty="0"/>
-              <a:t>Update (</a:t>
-            </a:r>
-            <a:r>
-              <a:rPr lang="fr-BE" dirty="0" err="1"/>
-              <a:t>theta,phi</a:t>
-            </a:r>
-            <a:r>
-              <a:rPr lang="fr-BE" dirty="0"/>
-              <a:t>):</a:t>
-            </a:r>
+            <a:endParaRPr lang="fr-BE" dirty="0"/>
           </a:p>
         </p:txBody>
       </p:sp>
       <p:pic>
         <p:nvPicPr>
-          <p:cNvPr id="7" name="Picture 2">
-            <a:extLst>
-              <a:ext uri="{FF2B5EF4-FFF2-40B4-BE49-F238E27FC236}">
-                <a16:creationId xmlns:a16="http://schemas.microsoft.com/office/drawing/2014/main" id="{88E48DFA-0443-4943-81D7-BFE80D843F0F}"/>
+          <p:cNvPr id="5" name="Image 4">
+            <a:extLst>
+              <a:ext uri="{FF2B5EF4-FFF2-40B4-BE49-F238E27FC236}">
+                <a16:creationId xmlns:a16="http://schemas.microsoft.com/office/drawing/2014/main" id="{3CC3BD48-272A-49EB-A0FC-E0CE331480D5}"/>
+              </a:ext>
+            </a:extLst>
+          </p:cNvPr>
+          <p:cNvPicPr>
+            <a:picLocks noChangeAspect="1"/>
+          </p:cNvPicPr>
+          <p:nvPr/>
+        </p:nvPicPr>
+        <p:blipFill>
+          <a:blip r:embed="rId2"/>
+          <a:stretch>
+            <a:fillRect/>
+          </a:stretch>
+        </p:blipFill>
+        <p:spPr>
+          <a:xfrm>
+            <a:off x="1288589" y="1394619"/>
+            <a:ext cx="2259474" cy="592138"/>
+          </a:xfrm>
+          <a:prstGeom prst="rect">
+            <a:avLst/>
+          </a:prstGeom>
+        </p:spPr>
+      </p:pic>
+      <p:pic>
+        <p:nvPicPr>
+          <p:cNvPr id="6" name="Image 5">
+            <a:extLst>
+              <a:ext uri="{FF2B5EF4-FFF2-40B4-BE49-F238E27FC236}">
+                <a16:creationId xmlns:a16="http://schemas.microsoft.com/office/drawing/2014/main" id="{C61E20D1-045C-4BB1-99DB-64754AA6C971}"/>
+              </a:ext>
+            </a:extLst>
+          </p:cNvPr>
+          <p:cNvPicPr>
+            <a:picLocks noChangeAspect="1"/>
+          </p:cNvPicPr>
+          <p:nvPr/>
+        </p:nvPicPr>
+        <p:blipFill>
+          <a:blip r:embed="rId3"/>
+          <a:stretch>
+            <a:fillRect/>
+          </a:stretch>
+        </p:blipFill>
+        <p:spPr>
+          <a:xfrm>
+            <a:off x="3896340" y="1399582"/>
+            <a:ext cx="2348645" cy="566340"/>
+          </a:xfrm>
+          <a:prstGeom prst="rect">
+            <a:avLst/>
+          </a:prstGeom>
+        </p:spPr>
+      </p:pic>
+      <p:pic>
+        <p:nvPicPr>
+          <p:cNvPr id="1026" name="Picture 2">
+            <a:extLst>
+              <a:ext uri="{FF2B5EF4-FFF2-40B4-BE49-F238E27FC236}">
+                <a16:creationId xmlns:a16="http://schemas.microsoft.com/office/drawing/2014/main" id="{7D802128-7FF0-4998-93C6-64C25CD6DB61}"/>
               </a:ext>
             </a:extLst>
           </p:cNvPr>
@@ -5479,7 +5688,7 @@
           <p:nvPr/>
         </p:nvPicPr>
         <p:blipFill>
-          <a:blip r:embed="rId2">
+          <a:blip r:embed="rId4">
             <a:extLst>
               <a:ext uri="{28A0092B-C50C-407E-A947-70E740481C1C}">
                 <a14:useLocalDpi xmlns:a14="http://schemas.microsoft.com/office/drawing/2010/main" val="0"/>
@@ -5493,7 +5702,7 @@
         </p:blipFill>
         <p:spPr bwMode="auto">
           <a:xfrm>
-            <a:off x="838200" y="2298700"/>
+            <a:off x="940310" y="2565400"/>
             <a:ext cx="5304675" cy="3560763"/>
           </a:xfrm>
           <a:prstGeom prst="rect">
@@ -5513,6 +5722,859 @@
       </p:pic>
       <p:sp>
         <p:nvSpPr>
+          <p:cNvPr id="7" name="ZoneTexte 6">
+            <a:extLst>
+              <a:ext uri="{FF2B5EF4-FFF2-40B4-BE49-F238E27FC236}">
+                <a16:creationId xmlns:a16="http://schemas.microsoft.com/office/drawing/2014/main" id="{88B75053-8E50-49A3-BF29-0F0F471926A5}"/>
+              </a:ext>
+            </a:extLst>
+          </p:cNvPr>
+          <p:cNvSpPr txBox="1"/>
+          <p:nvPr/>
+        </p:nvSpPr>
+        <p:spPr>
+          <a:xfrm>
+            <a:off x="938477" y="2074665"/>
+            <a:ext cx="2959697" cy="369332"/>
+          </a:xfrm>
+          <a:prstGeom prst="rect">
+            <a:avLst/>
+          </a:prstGeom>
+          <a:noFill/>
+        </p:spPr>
+        <p:txBody>
+          <a:bodyPr wrap="square" rtlCol="0">
+            <a:spAutoFit/>
+          </a:bodyPr>
+          <a:lstStyle/>
+          <a:p>
+            <a:r>
+              <a:rPr lang="fr-BE" dirty="0"/>
+              <a:t>Exemple de simulation radar:</a:t>
+            </a:r>
+          </a:p>
+        </p:txBody>
+      </p:sp>
+      <p:sp>
+        <p:nvSpPr>
+          <p:cNvPr id="8" name="ZoneTexte 7">
+            <a:extLst>
+              <a:ext uri="{FF2B5EF4-FFF2-40B4-BE49-F238E27FC236}">
+                <a16:creationId xmlns:a16="http://schemas.microsoft.com/office/drawing/2014/main" id="{792DB2DD-8280-4E3B-B67A-FC8D81FDA350}"/>
+              </a:ext>
+            </a:extLst>
+          </p:cNvPr>
+          <p:cNvSpPr txBox="1"/>
+          <p:nvPr/>
+        </p:nvSpPr>
+        <p:spPr>
+          <a:xfrm>
+            <a:off x="6959600" y="2443997"/>
+            <a:ext cx="4102100" cy="646331"/>
+          </a:xfrm>
+          <a:prstGeom prst="rect">
+            <a:avLst/>
+          </a:prstGeom>
+          <a:noFill/>
+        </p:spPr>
+        <p:txBody>
+          <a:bodyPr wrap="square" rtlCol="0">
+            <a:spAutoFit/>
+          </a:bodyPr>
+          <a:lstStyle/>
+          <a:p>
+            <a:r>
+              <a:rPr lang="fr-BE" dirty="0"/>
+              <a:t>Update de (</a:t>
+            </a:r>
+            <a:r>
+              <a:rPr lang="fr-BE" dirty="0" err="1"/>
+              <a:t>d,v</a:t>
+            </a:r>
+            <a:r>
+              <a:rPr lang="fr-BE" dirty="0"/>
+              <a:t>):</a:t>
+            </a:r>
+          </a:p>
+          <a:p>
+            <a:pPr marL="285750" indent="-285750">
+              <a:buFont typeface="Arial" panose="020B0604020202020204" pitchFamily="34" charset="0"/>
+              <a:buChar char="•"/>
+            </a:pPr>
+            <a:r>
+              <a:rPr lang="fr-BE" dirty="0"/>
+              <a:t>Point max du spectre micro-Doppler</a:t>
+            </a:r>
+          </a:p>
+        </p:txBody>
+      </p:sp>
+    </p:spTree>
+    <p:extLst>
+      <p:ext uri="{BB962C8B-B14F-4D97-AF65-F5344CB8AC3E}">
+        <p14:creationId xmlns:p14="http://schemas.microsoft.com/office/powerpoint/2010/main" val="1925102773"/>
+      </p:ext>
+    </p:extLst>
+  </p:cSld>
+  <p:clrMapOvr>
+    <a:masterClrMapping/>
+  </p:clrMapOvr>
+</p:sld>
+</file>
+
+<file path=ppt/slides/slide6.xml><?xml version="1.0" encoding="utf-8"?>
+<p:sld xmlns:a="http://schemas.openxmlformats.org/drawingml/2006/main" xmlns:r="http://schemas.openxmlformats.org/officeDocument/2006/relationships" xmlns:p="http://schemas.openxmlformats.org/presentationml/2006/main">
+  <p:cSld>
+    <p:spTree>
+      <p:nvGrpSpPr>
+        <p:cNvPr id="1" name=""/>
+        <p:cNvGrpSpPr/>
+        <p:nvPr/>
+      </p:nvGrpSpPr>
+      <p:grpSpPr>
+        <a:xfrm>
+          <a:off x="0" y="0"/>
+          <a:ext cx="0" cy="0"/>
+          <a:chOff x="0" y="0"/>
+          <a:chExt cx="0" cy="0"/>
+        </a:xfrm>
+      </p:grpSpPr>
+      <p:sp>
+        <p:nvSpPr>
+          <p:cNvPr id="2" name="Titre 1">
+            <a:extLst>
+              <a:ext uri="{FF2B5EF4-FFF2-40B4-BE49-F238E27FC236}">
+                <a16:creationId xmlns:a16="http://schemas.microsoft.com/office/drawing/2014/main" id="{922DACB0-A596-44FE-A02F-AD6C394D2DD1}"/>
+              </a:ext>
+            </a:extLst>
+          </p:cNvPr>
+          <p:cNvSpPr>
+            <a:spLocks noGrp="1"/>
+          </p:cNvSpPr>
+          <p:nvPr>
+            <p:ph type="title"/>
+          </p:nvPr>
+        </p:nvSpPr>
+        <p:spPr/>
+        <p:txBody>
+          <a:bodyPr>
+            <a:normAutofit/>
+          </a:bodyPr>
+          <a:lstStyle/>
+          <a:p>
+            <a:r>
+              <a:rPr lang="fr-BE" sz="4000" dirty="0"/>
+              <a:t>Extraction de (</a:t>
+            </a:r>
+            <a:r>
+              <a:rPr lang="fr-BE" sz="4000" dirty="0" err="1"/>
+              <a:t>theta</a:t>
+            </a:r>
+            <a:r>
+              <a:rPr lang="fr-BE" sz="4000" dirty="0"/>
+              <a:t>, phi)</a:t>
+            </a:r>
+          </a:p>
+        </p:txBody>
+      </p:sp>
+      <p:sp>
+        <p:nvSpPr>
+          <p:cNvPr id="4" name="ZoneTexte 3">
+            <a:extLst>
+              <a:ext uri="{FF2B5EF4-FFF2-40B4-BE49-F238E27FC236}">
+                <a16:creationId xmlns:a16="http://schemas.microsoft.com/office/drawing/2014/main" id="{0B3D1F43-3E30-4263-B868-F21B1BACA4C4}"/>
+              </a:ext>
+            </a:extLst>
+          </p:cNvPr>
+          <p:cNvSpPr txBox="1"/>
+          <p:nvPr/>
+        </p:nvSpPr>
+        <p:spPr>
+          <a:xfrm>
+            <a:off x="1117600" y="2235200"/>
+            <a:ext cx="1282700" cy="369332"/>
+          </a:xfrm>
+          <a:prstGeom prst="rect">
+            <a:avLst/>
+          </a:prstGeom>
+          <a:noFill/>
+        </p:spPr>
+        <p:txBody>
+          <a:bodyPr wrap="square" rtlCol="0">
+            <a:spAutoFit/>
+          </a:bodyPr>
+          <a:lstStyle/>
+          <a:p>
+            <a:r>
+              <a:rPr lang="fr-BE" dirty="0"/>
+              <a:t>frame</a:t>
+            </a:r>
+          </a:p>
+        </p:txBody>
+      </p:sp>
+      <p:cxnSp>
+        <p:nvCxnSpPr>
+          <p:cNvPr id="6" name="Connecteur droit avec flèche 5">
+            <a:extLst>
+              <a:ext uri="{FF2B5EF4-FFF2-40B4-BE49-F238E27FC236}">
+                <a16:creationId xmlns:a16="http://schemas.microsoft.com/office/drawing/2014/main" id="{4A9CA2C9-35C7-4C2F-9AC5-AD378C9B0D18}"/>
+              </a:ext>
+            </a:extLst>
+          </p:cNvPr>
+          <p:cNvCxnSpPr/>
+          <p:nvPr/>
+        </p:nvCxnSpPr>
+        <p:spPr>
+          <a:xfrm>
+            <a:off x="1917700" y="2451100"/>
+            <a:ext cx="482600" cy="0"/>
+          </a:xfrm>
+          <a:prstGeom prst="straightConnector1">
+            <a:avLst/>
+          </a:prstGeom>
+          <a:ln>
+            <a:tailEnd type="triangle"/>
+          </a:ln>
+        </p:spPr>
+        <p:style>
+          <a:lnRef idx="1">
+            <a:schemeClr val="dk1"/>
+          </a:lnRef>
+          <a:fillRef idx="0">
+            <a:schemeClr val="dk1"/>
+          </a:fillRef>
+          <a:effectRef idx="0">
+            <a:schemeClr val="dk1"/>
+          </a:effectRef>
+          <a:fontRef idx="minor">
+            <a:schemeClr val="tx1"/>
+          </a:fontRef>
+        </p:style>
+      </p:cxnSp>
+      <p:sp>
+        <p:nvSpPr>
+          <p:cNvPr id="7" name="Rectangle 6">
+            <a:extLst>
+              <a:ext uri="{FF2B5EF4-FFF2-40B4-BE49-F238E27FC236}">
+                <a16:creationId xmlns:a16="http://schemas.microsoft.com/office/drawing/2014/main" id="{168568CD-FCF2-4C22-BDFC-8FC08B00A646}"/>
+              </a:ext>
+            </a:extLst>
+          </p:cNvPr>
+          <p:cNvSpPr/>
+          <p:nvPr/>
+        </p:nvSpPr>
+        <p:spPr>
+          <a:xfrm>
+            <a:off x="2559050" y="2266457"/>
+            <a:ext cx="1282700" cy="369286"/>
+          </a:xfrm>
+          <a:prstGeom prst="rect">
+            <a:avLst/>
+          </a:prstGeom>
+          <a:ln>
+            <a:solidFill>
+              <a:schemeClr val="tx1"/>
+            </a:solidFill>
+          </a:ln>
+        </p:spPr>
+        <p:style>
+          <a:lnRef idx="2">
+            <a:schemeClr val="accent6"/>
+          </a:lnRef>
+          <a:fillRef idx="1">
+            <a:schemeClr val="lt1"/>
+          </a:fillRef>
+          <a:effectRef idx="0">
+            <a:schemeClr val="accent6"/>
+          </a:effectRef>
+          <a:fontRef idx="minor">
+            <a:schemeClr val="dk1"/>
+          </a:fontRef>
+        </p:style>
+        <p:txBody>
+          <a:bodyPr rtlCol="0" anchor="ctr"/>
+          <a:lstStyle/>
+          <a:p>
+            <a:pPr algn="ctr"/>
+            <a:r>
+              <a:rPr lang="fr-BE" dirty="0"/>
+              <a:t>YOLO</a:t>
+            </a:r>
+          </a:p>
+        </p:txBody>
+      </p:sp>
+      <p:cxnSp>
+        <p:nvCxnSpPr>
+          <p:cNvPr id="10" name="Connecteur droit avec flèche 9">
+            <a:extLst>
+              <a:ext uri="{FF2B5EF4-FFF2-40B4-BE49-F238E27FC236}">
+                <a16:creationId xmlns:a16="http://schemas.microsoft.com/office/drawing/2014/main" id="{8F70C00B-5018-4EA7-AB18-C7057BADBD22}"/>
+              </a:ext>
+            </a:extLst>
+          </p:cNvPr>
+          <p:cNvCxnSpPr/>
+          <p:nvPr/>
+        </p:nvCxnSpPr>
+        <p:spPr>
+          <a:xfrm>
+            <a:off x="4025900" y="2451100"/>
+            <a:ext cx="482600" cy="0"/>
+          </a:xfrm>
+          <a:prstGeom prst="straightConnector1">
+            <a:avLst/>
+          </a:prstGeom>
+          <a:ln>
+            <a:tailEnd type="triangle"/>
+          </a:ln>
+        </p:spPr>
+        <p:style>
+          <a:lnRef idx="1">
+            <a:schemeClr val="dk1"/>
+          </a:lnRef>
+          <a:fillRef idx="0">
+            <a:schemeClr val="dk1"/>
+          </a:fillRef>
+          <a:effectRef idx="0">
+            <a:schemeClr val="dk1"/>
+          </a:effectRef>
+          <a:fontRef idx="minor">
+            <a:schemeClr val="tx1"/>
+          </a:fontRef>
+        </p:style>
+      </p:cxnSp>
+      <p:sp>
+        <p:nvSpPr>
+          <p:cNvPr id="11" name="ZoneTexte 10">
+            <a:extLst>
+              <a:ext uri="{FF2B5EF4-FFF2-40B4-BE49-F238E27FC236}">
+                <a16:creationId xmlns:a16="http://schemas.microsoft.com/office/drawing/2014/main" id="{4C5FA6CE-793B-4F63-A9EA-479EB3B23BFB}"/>
+              </a:ext>
+            </a:extLst>
+          </p:cNvPr>
+          <p:cNvSpPr txBox="1"/>
+          <p:nvPr/>
+        </p:nvSpPr>
+        <p:spPr>
+          <a:xfrm>
+            <a:off x="4737100" y="1955800"/>
+            <a:ext cx="4895850" cy="923330"/>
+          </a:xfrm>
+          <a:prstGeom prst="rect">
+            <a:avLst/>
+          </a:prstGeom>
+          <a:noFill/>
+        </p:spPr>
+        <p:txBody>
+          <a:bodyPr wrap="square" rtlCol="0">
+            <a:spAutoFit/>
+          </a:bodyPr>
+          <a:lstStyle/>
+          <a:p>
+            <a:r>
+              <a:rPr lang="fr-BE" dirty="0" err="1"/>
+              <a:t>xc,yc</a:t>
+            </a:r>
+            <a:r>
+              <a:rPr lang="fr-BE" dirty="0"/>
+              <a:t>: coordonnées du centre de la </a:t>
+            </a:r>
+            <a:r>
+              <a:rPr lang="fr-BE" dirty="0" err="1"/>
+              <a:t>bounding</a:t>
+            </a:r>
+            <a:r>
+              <a:rPr lang="fr-BE" dirty="0"/>
+              <a:t> box</a:t>
+            </a:r>
+          </a:p>
+          <a:p>
+            <a:r>
+              <a:rPr lang="fr-BE" dirty="0"/>
+              <a:t>W,H: largeur/hauteur de la </a:t>
+            </a:r>
+            <a:r>
+              <a:rPr lang="fr-BE" dirty="0" err="1"/>
+              <a:t>bounding</a:t>
+            </a:r>
+            <a:r>
+              <a:rPr lang="fr-BE" dirty="0"/>
+              <a:t> box</a:t>
+            </a:r>
+          </a:p>
+          <a:p>
+            <a:r>
+              <a:rPr lang="fr-BE" dirty="0"/>
+              <a:t>Classe de l’instance</a:t>
+            </a:r>
+          </a:p>
+        </p:txBody>
+      </p:sp>
+      <p:sp>
+        <p:nvSpPr>
+          <p:cNvPr id="12" name="ZoneTexte 11">
+            <a:extLst>
+              <a:ext uri="{FF2B5EF4-FFF2-40B4-BE49-F238E27FC236}">
+                <a16:creationId xmlns:a16="http://schemas.microsoft.com/office/drawing/2014/main" id="{BB99045E-4989-4BD1-8C45-53B32E9A4680}"/>
+              </a:ext>
+            </a:extLst>
+          </p:cNvPr>
+          <p:cNvSpPr txBox="1"/>
+          <p:nvPr/>
+        </p:nvSpPr>
+        <p:spPr>
+          <a:xfrm>
+            <a:off x="838200" y="3429000"/>
+            <a:ext cx="2011384" cy="369332"/>
+          </a:xfrm>
+          <a:prstGeom prst="rect">
+            <a:avLst/>
+          </a:prstGeom>
+          <a:noFill/>
+        </p:spPr>
+        <p:txBody>
+          <a:bodyPr wrap="none" rtlCol="0">
+            <a:spAutoFit/>
+          </a:bodyPr>
+          <a:lstStyle/>
+          <a:p>
+            <a:r>
+              <a:rPr lang="fr-BE" dirty="0"/>
+              <a:t>Camera calibration:</a:t>
+            </a:r>
+          </a:p>
+        </p:txBody>
+      </p:sp>
+      <p:sp>
+        <p:nvSpPr>
+          <p:cNvPr id="13" name="ZoneTexte 12">
+            <a:extLst>
+              <a:ext uri="{FF2B5EF4-FFF2-40B4-BE49-F238E27FC236}">
+                <a16:creationId xmlns:a16="http://schemas.microsoft.com/office/drawing/2014/main" id="{9B3BC1E9-7989-4CED-948D-D721613DE385}"/>
+              </a:ext>
+            </a:extLst>
+          </p:cNvPr>
+          <p:cNvSpPr txBox="1"/>
+          <p:nvPr/>
+        </p:nvSpPr>
+        <p:spPr>
+          <a:xfrm>
+            <a:off x="1117600" y="3987800"/>
+            <a:ext cx="1731984" cy="646331"/>
+          </a:xfrm>
+          <a:prstGeom prst="rect">
+            <a:avLst/>
+          </a:prstGeom>
+          <a:noFill/>
+        </p:spPr>
+        <p:txBody>
+          <a:bodyPr wrap="square" rtlCol="0">
+            <a:spAutoFit/>
+          </a:bodyPr>
+          <a:lstStyle/>
+          <a:p>
+            <a:r>
+              <a:rPr lang="fr-BE" dirty="0"/>
+              <a:t>Point 2D (</a:t>
+            </a:r>
+            <a:r>
+              <a:rPr lang="fr-BE" dirty="0" err="1"/>
+              <a:t>xc,yc</a:t>
+            </a:r>
+            <a:r>
+              <a:rPr lang="fr-BE" dirty="0"/>
+              <a:t>) de l’image</a:t>
+            </a:r>
+          </a:p>
+        </p:txBody>
+      </p:sp>
+      <p:cxnSp>
+        <p:nvCxnSpPr>
+          <p:cNvPr id="15" name="Connecteur droit avec flèche 14">
+            <a:extLst>
+              <a:ext uri="{FF2B5EF4-FFF2-40B4-BE49-F238E27FC236}">
+                <a16:creationId xmlns:a16="http://schemas.microsoft.com/office/drawing/2014/main" id="{C6C08A70-2FC8-4C51-BFC9-556A1AA4120C}"/>
+              </a:ext>
+            </a:extLst>
+          </p:cNvPr>
+          <p:cNvCxnSpPr>
+            <a:stCxn id="13" idx="3"/>
+          </p:cNvCxnSpPr>
+          <p:nvPr/>
+        </p:nvCxnSpPr>
+        <p:spPr>
+          <a:xfrm flipV="1">
+            <a:off x="2849584" y="4305300"/>
+            <a:ext cx="2243116" cy="5666"/>
+          </a:xfrm>
+          <a:prstGeom prst="straightConnector1">
+            <a:avLst/>
+          </a:prstGeom>
+          <a:ln>
+            <a:tailEnd type="triangle"/>
+          </a:ln>
+        </p:spPr>
+        <p:style>
+          <a:lnRef idx="1">
+            <a:schemeClr val="dk1"/>
+          </a:lnRef>
+          <a:fillRef idx="0">
+            <a:schemeClr val="dk1"/>
+          </a:fillRef>
+          <a:effectRef idx="0">
+            <a:schemeClr val="dk1"/>
+          </a:effectRef>
+          <a:fontRef idx="minor">
+            <a:schemeClr val="tx1"/>
+          </a:fontRef>
+        </p:style>
+      </p:cxnSp>
+      <p:sp>
+        <p:nvSpPr>
+          <p:cNvPr id="16" name="ZoneTexte 15">
+            <a:extLst>
+              <a:ext uri="{FF2B5EF4-FFF2-40B4-BE49-F238E27FC236}">
+                <a16:creationId xmlns:a16="http://schemas.microsoft.com/office/drawing/2014/main" id="{629F8084-C8C0-4516-B8BA-B813740CE47F}"/>
+              </a:ext>
+            </a:extLst>
+          </p:cNvPr>
+          <p:cNvSpPr txBox="1"/>
+          <p:nvPr/>
+        </p:nvSpPr>
+        <p:spPr>
+          <a:xfrm>
+            <a:off x="5264149" y="3987800"/>
+            <a:ext cx="1663702" cy="646331"/>
+          </a:xfrm>
+          <a:prstGeom prst="rect">
+            <a:avLst/>
+          </a:prstGeom>
+          <a:noFill/>
+        </p:spPr>
+        <p:txBody>
+          <a:bodyPr wrap="square" rtlCol="0">
+            <a:spAutoFit/>
+          </a:bodyPr>
+          <a:lstStyle/>
+          <a:p>
+            <a:r>
+              <a:rPr lang="fr-BE" dirty="0"/>
+              <a:t>Point 3D (X,Y,Z) correspondant</a:t>
+            </a:r>
+          </a:p>
+        </p:txBody>
+      </p:sp>
+      <p:sp>
+        <p:nvSpPr>
+          <p:cNvPr id="17" name="ZoneTexte 16">
+            <a:extLst>
+              <a:ext uri="{FF2B5EF4-FFF2-40B4-BE49-F238E27FC236}">
+                <a16:creationId xmlns:a16="http://schemas.microsoft.com/office/drawing/2014/main" id="{ECDD1645-45C8-4996-BF23-E25FF9D0F6D9}"/>
+              </a:ext>
+            </a:extLst>
+          </p:cNvPr>
+          <p:cNvSpPr txBox="1"/>
+          <p:nvPr/>
+        </p:nvSpPr>
+        <p:spPr>
+          <a:xfrm>
+            <a:off x="3021033" y="3852926"/>
+            <a:ext cx="2343145" cy="369332"/>
+          </a:xfrm>
+          <a:prstGeom prst="rect">
+            <a:avLst/>
+          </a:prstGeom>
+          <a:noFill/>
+        </p:spPr>
+        <p:txBody>
+          <a:bodyPr wrap="square" rtlCol="0">
+            <a:spAutoFit/>
+          </a:bodyPr>
+          <a:lstStyle/>
+          <a:p>
+            <a:r>
+              <a:rPr lang="fr-BE" dirty="0"/>
+              <a:t>Coord. Homogènes</a:t>
+            </a:r>
+          </a:p>
+        </p:txBody>
+      </p:sp>
+      <p:cxnSp>
+        <p:nvCxnSpPr>
+          <p:cNvPr id="18" name="Connecteur droit avec flèche 17">
+            <a:extLst>
+              <a:ext uri="{FF2B5EF4-FFF2-40B4-BE49-F238E27FC236}">
+                <a16:creationId xmlns:a16="http://schemas.microsoft.com/office/drawing/2014/main" id="{AA7C8660-0E17-455C-86A5-D04963A091DF}"/>
+              </a:ext>
+            </a:extLst>
+          </p:cNvPr>
+          <p:cNvCxnSpPr/>
+          <p:nvPr/>
+        </p:nvCxnSpPr>
+        <p:spPr>
+          <a:xfrm flipV="1">
+            <a:off x="7086600" y="4299634"/>
+            <a:ext cx="2243116" cy="5666"/>
+          </a:xfrm>
+          <a:prstGeom prst="straightConnector1">
+            <a:avLst/>
+          </a:prstGeom>
+          <a:ln>
+            <a:tailEnd type="triangle"/>
+          </a:ln>
+        </p:spPr>
+        <p:style>
+          <a:lnRef idx="1">
+            <a:schemeClr val="dk1"/>
+          </a:lnRef>
+          <a:fillRef idx="0">
+            <a:schemeClr val="dk1"/>
+          </a:fillRef>
+          <a:effectRef idx="0">
+            <a:schemeClr val="dk1"/>
+          </a:effectRef>
+          <a:fontRef idx="minor">
+            <a:schemeClr val="tx1"/>
+          </a:fontRef>
+        </p:style>
+      </p:cxnSp>
+      <p:sp>
+        <p:nvSpPr>
+          <p:cNvPr id="19" name="ZoneTexte 18">
+            <a:extLst>
+              <a:ext uri="{FF2B5EF4-FFF2-40B4-BE49-F238E27FC236}">
+                <a16:creationId xmlns:a16="http://schemas.microsoft.com/office/drawing/2014/main" id="{9CF32692-ACEF-49EE-AA34-CC57DD30E313}"/>
+              </a:ext>
+            </a:extLst>
+          </p:cNvPr>
+          <p:cNvSpPr txBox="1"/>
+          <p:nvPr/>
+        </p:nvSpPr>
+        <p:spPr>
+          <a:xfrm>
+            <a:off x="9488465" y="4114968"/>
+            <a:ext cx="1181100" cy="369332"/>
+          </a:xfrm>
+          <a:prstGeom prst="rect">
+            <a:avLst/>
+          </a:prstGeom>
+          <a:noFill/>
+        </p:spPr>
+        <p:txBody>
+          <a:bodyPr wrap="square" rtlCol="0">
+            <a:spAutoFit/>
+          </a:bodyPr>
+          <a:lstStyle/>
+          <a:p>
+            <a:r>
+              <a:rPr lang="fr-BE" dirty="0" err="1"/>
+              <a:t>Theta</a:t>
+            </a:r>
+            <a:r>
+              <a:rPr lang="fr-BE" dirty="0"/>
+              <a:t>, phi</a:t>
+            </a:r>
+          </a:p>
+        </p:txBody>
+      </p:sp>
+      <p:sp>
+        <p:nvSpPr>
+          <p:cNvPr id="20" name="ZoneTexte 19">
+            <a:extLst>
+              <a:ext uri="{FF2B5EF4-FFF2-40B4-BE49-F238E27FC236}">
+                <a16:creationId xmlns:a16="http://schemas.microsoft.com/office/drawing/2014/main" id="{495E1691-F874-42A8-B0FA-F5C7133562F7}"/>
+              </a:ext>
+            </a:extLst>
+          </p:cNvPr>
+          <p:cNvSpPr txBox="1"/>
+          <p:nvPr/>
+        </p:nvSpPr>
+        <p:spPr>
+          <a:xfrm>
+            <a:off x="7378700" y="3852926"/>
+            <a:ext cx="1951016" cy="369332"/>
+          </a:xfrm>
+          <a:prstGeom prst="rect">
+            <a:avLst/>
+          </a:prstGeom>
+          <a:noFill/>
+        </p:spPr>
+        <p:txBody>
+          <a:bodyPr wrap="square" rtlCol="0">
+            <a:spAutoFit/>
+          </a:bodyPr>
+          <a:lstStyle/>
+          <a:p>
+            <a:r>
+              <a:rPr lang="fr-BE" dirty="0"/>
+              <a:t>Coord. Sphériques</a:t>
+            </a:r>
+          </a:p>
+        </p:txBody>
+      </p:sp>
+    </p:spTree>
+    <p:extLst>
+      <p:ext uri="{BB962C8B-B14F-4D97-AF65-F5344CB8AC3E}">
+        <p14:creationId xmlns:p14="http://schemas.microsoft.com/office/powerpoint/2010/main" val="331912191"/>
+      </p:ext>
+    </p:extLst>
+  </p:cSld>
+  <p:clrMapOvr>
+    <a:masterClrMapping/>
+  </p:clrMapOvr>
+</p:sld>
+</file>
+
+<file path=ppt/slides/slide7.xml><?xml version="1.0" encoding="utf-8"?>
+<p:sld xmlns:a="http://schemas.openxmlformats.org/drawingml/2006/main" xmlns:r="http://schemas.openxmlformats.org/officeDocument/2006/relationships" xmlns:p="http://schemas.openxmlformats.org/presentationml/2006/main">
+  <p:cSld>
+    <p:spTree>
+      <p:nvGrpSpPr>
+        <p:cNvPr id="1" name=""/>
+        <p:cNvGrpSpPr/>
+        <p:nvPr/>
+      </p:nvGrpSpPr>
+      <p:grpSpPr>
+        <a:xfrm>
+          <a:off x="0" y="0"/>
+          <a:ext cx="0" cy="0"/>
+          <a:chOff x="0" y="0"/>
+          <a:chExt cx="0" cy="0"/>
+        </a:xfrm>
+      </p:grpSpPr>
+      <p:sp>
+        <p:nvSpPr>
+          <p:cNvPr id="5" name="Titre 1">
+            <a:extLst>
+              <a:ext uri="{FF2B5EF4-FFF2-40B4-BE49-F238E27FC236}">
+                <a16:creationId xmlns:a16="http://schemas.microsoft.com/office/drawing/2014/main" id="{D0504F95-DDF8-4CB9-9CC9-3A0A8083D90D}"/>
+              </a:ext>
+            </a:extLst>
+          </p:cNvPr>
+          <p:cNvSpPr>
+            <a:spLocks noGrp="1"/>
+          </p:cNvSpPr>
+          <p:nvPr>
+            <p:ph type="title"/>
+          </p:nvPr>
+        </p:nvSpPr>
+        <p:spPr>
+          <a:xfrm>
+            <a:off x="838200" y="365125"/>
+            <a:ext cx="10515600" cy="1325563"/>
+          </a:xfrm>
+        </p:spPr>
+        <p:txBody>
+          <a:bodyPr>
+            <a:normAutofit/>
+          </a:bodyPr>
+          <a:lstStyle/>
+          <a:p>
+            <a:r>
+              <a:rPr lang="fr-BE" sz="4000" dirty="0"/>
+              <a:t>Extraction de (</a:t>
+            </a:r>
+            <a:r>
+              <a:rPr lang="fr-BE" sz="4000" dirty="0" err="1"/>
+              <a:t>theta</a:t>
+            </a:r>
+            <a:r>
+              <a:rPr lang="fr-BE" sz="4000" dirty="0"/>
+              <a:t>, phi)</a:t>
+            </a:r>
+          </a:p>
+        </p:txBody>
+      </p:sp>
+      <p:sp>
+        <p:nvSpPr>
+          <p:cNvPr id="6" name="ZoneTexte 5">
+            <a:extLst>
+              <a:ext uri="{FF2B5EF4-FFF2-40B4-BE49-F238E27FC236}">
+                <a16:creationId xmlns:a16="http://schemas.microsoft.com/office/drawing/2014/main" id="{F13EA60D-50CE-4435-959D-4099981A6EC1}"/>
+              </a:ext>
+            </a:extLst>
+          </p:cNvPr>
+          <p:cNvSpPr txBox="1"/>
+          <p:nvPr/>
+        </p:nvSpPr>
+        <p:spPr>
+          <a:xfrm>
+            <a:off x="838200" y="1690688"/>
+            <a:ext cx="1982594" cy="369332"/>
+          </a:xfrm>
+          <a:prstGeom prst="rect">
+            <a:avLst/>
+          </a:prstGeom>
+          <a:noFill/>
+        </p:spPr>
+        <p:txBody>
+          <a:bodyPr wrap="none" rtlCol="0">
+            <a:spAutoFit/>
+          </a:bodyPr>
+          <a:lstStyle/>
+          <a:p>
+            <a:r>
+              <a:rPr lang="fr-BE" dirty="0"/>
+              <a:t>Update (</a:t>
+            </a:r>
+            <a:r>
+              <a:rPr lang="fr-BE" dirty="0" err="1"/>
+              <a:t>theta,phi</a:t>
+            </a:r>
+            <a:r>
+              <a:rPr lang="fr-BE" dirty="0"/>
+              <a:t>):</a:t>
+            </a:r>
+          </a:p>
+        </p:txBody>
+      </p:sp>
+      <p:pic>
+        <p:nvPicPr>
+          <p:cNvPr id="7" name="Picture 2">
+            <a:extLst>
+              <a:ext uri="{FF2B5EF4-FFF2-40B4-BE49-F238E27FC236}">
+                <a16:creationId xmlns:a16="http://schemas.microsoft.com/office/drawing/2014/main" id="{88E48DFA-0443-4943-81D7-BFE80D843F0F}"/>
+              </a:ext>
+            </a:extLst>
+          </p:cNvPr>
+          <p:cNvPicPr>
+            <a:picLocks noChangeAspect="1" noChangeArrowheads="1"/>
+          </p:cNvPicPr>
+          <p:nvPr/>
+        </p:nvPicPr>
+        <p:blipFill>
+          <a:blip r:embed="rId2">
+            <a:extLst>
+              <a:ext uri="{28A0092B-C50C-407E-A947-70E740481C1C}">
+                <a14:useLocalDpi xmlns:a14="http://schemas.microsoft.com/office/drawing/2010/main" val="0"/>
+              </a:ext>
+            </a:extLst>
+          </a:blip>
+          <a:srcRect/>
+          <a:stretch>
+            <a:fillRect/>
+          </a:stretch>
+        </p:blipFill>
+        <p:spPr bwMode="auto">
+          <a:xfrm>
+            <a:off x="838200" y="2298700"/>
+            <a:ext cx="5304675" cy="3560763"/>
+          </a:xfrm>
+          <a:prstGeom prst="rect">
+            <a:avLst/>
+          </a:prstGeom>
+          <a:noFill/>
+          <a:extLst>
+            <a:ext uri="{909E8E84-426E-40DD-AFC4-6F175D3DCCD1}">
+              <a14:hiddenFill xmlns:a14="http://schemas.microsoft.com/office/drawing/2010/main">
+                <a:solidFill>
+                  <a:srgbClr val="FFFFFF"/>
+                </a:solidFill>
+              </a14:hiddenFill>
+            </a:ext>
+          </a:extLst>
+        </p:spPr>
+      </p:pic>
+      <p:sp>
+        <p:nvSpPr>
           <p:cNvPr id="8" name="ZoneTexte 7">
             <a:extLst>
               <a:ext uri="{FF2B5EF4-FFF2-40B4-BE49-F238E27FC236}">
@@ -5558,6 +6620,110 @@
     <p:extLst>
       <p:ext uri="{BB962C8B-B14F-4D97-AF65-F5344CB8AC3E}">
         <p14:creationId xmlns:p14="http://schemas.microsoft.com/office/powerpoint/2010/main" val="3683152060"/>
+      </p:ext>
+    </p:extLst>
+  </p:cSld>
+  <p:clrMapOvr>
+    <a:masterClrMapping/>
+  </p:clrMapOvr>
+</p:sld>
+</file>
+
+<file path=ppt/slides/slide8.xml><?xml version="1.0" encoding="utf-8"?>
+<p:sld xmlns:a="http://schemas.openxmlformats.org/drawingml/2006/main" xmlns:r="http://schemas.openxmlformats.org/officeDocument/2006/relationships" xmlns:p="http://schemas.openxmlformats.org/presentationml/2006/main">
+  <p:cSld>
+    <p:spTree>
+      <p:nvGrpSpPr>
+        <p:cNvPr id="1" name=""/>
+        <p:cNvGrpSpPr/>
+        <p:nvPr/>
+      </p:nvGrpSpPr>
+      <p:grpSpPr>
+        <a:xfrm>
+          <a:off x="0" y="0"/>
+          <a:ext cx="0" cy="0"/>
+          <a:chOff x="0" y="0"/>
+          <a:chExt cx="0" cy="0"/>
+        </a:xfrm>
+      </p:grpSpPr>
+      <p:sp>
+        <p:nvSpPr>
+          <p:cNvPr id="2" name="ZoneTexte 1">
+            <a:extLst>
+              <a:ext uri="{FF2B5EF4-FFF2-40B4-BE49-F238E27FC236}">
+                <a16:creationId xmlns:a16="http://schemas.microsoft.com/office/drawing/2014/main" id="{CBA9D22A-1494-4726-B50C-FA835A833AD9}"/>
+              </a:ext>
+            </a:extLst>
+          </p:cNvPr>
+          <p:cNvSpPr txBox="1"/>
+          <p:nvPr/>
+        </p:nvSpPr>
+        <p:spPr>
+          <a:xfrm>
+            <a:off x="1162594" y="600891"/>
+            <a:ext cx="8229600" cy="3293209"/>
+          </a:xfrm>
+          <a:prstGeom prst="rect">
+            <a:avLst/>
+          </a:prstGeom>
+          <a:noFill/>
+        </p:spPr>
+        <p:txBody>
+          <a:bodyPr wrap="square" rtlCol="0">
+            <a:spAutoFit/>
+          </a:bodyPr>
+          <a:lstStyle/>
+          <a:p>
+            <a:r>
+              <a:rPr lang="fr-LU" sz="2800" b="1" dirty="0"/>
+              <a:t>Discussion et questions:</a:t>
+            </a:r>
+          </a:p>
+          <a:p>
+            <a:endParaRPr lang="fr-LU" dirty="0"/>
+          </a:p>
+          <a:p>
+            <a:r>
+              <a:rPr lang="fr-LU" dirty="0"/>
+              <a:t>Simu  radar: orientation des ellipses ( moyen physique de déterminer leur orientation</a:t>
+            </a:r>
+          </a:p>
+          <a:p>
+            <a:endParaRPr lang="fr-LU" dirty="0"/>
+          </a:p>
+          <a:p>
+            <a:r>
+              <a:rPr lang="fr-LU" dirty="0"/>
+              <a:t>Hardware: le système d’Alexis fonctionne ( se trouve actuellement au Luxembourg)</a:t>
+            </a:r>
+          </a:p>
+          <a:p>
+            <a:endParaRPr lang="fr-LU" dirty="0"/>
+          </a:p>
+          <a:p>
+            <a:r>
+              <a:rPr lang="fr-LU" dirty="0"/>
+              <a:t>Real-time application? </a:t>
+            </a:r>
+          </a:p>
+          <a:p>
+            <a:endParaRPr lang="fr-LU" dirty="0"/>
+          </a:p>
+          <a:p>
+            <a:endParaRPr lang="fr-LU" dirty="0"/>
+          </a:p>
+          <a:p>
+            <a:endParaRPr lang="fr-LU" dirty="0"/>
+          </a:p>
+          <a:p>
+            <a:endParaRPr lang="fr-LU" dirty="0"/>
+          </a:p>
+        </p:txBody>
+      </p:sp>
+    </p:spTree>
+    <p:extLst>
+      <p:ext uri="{BB962C8B-B14F-4D97-AF65-F5344CB8AC3E}">
+        <p14:creationId xmlns:p14="http://schemas.microsoft.com/office/powerpoint/2010/main" val="2208021995"/>
       </p:ext>
     </p:extLst>
   </p:cSld>

--- a/Presentation/Kalman_presentation .pptx
+++ b/Presentation/Kalman_presentation .pptx
@@ -280,7 +280,7 @@
           <a:p>
             <a:fld id="{5369D69D-74C9-44C2-AA09-BF23A02BA6D3}" type="datetimeFigureOut">
               <a:rPr lang="fr-BE" smtClean="0"/>
-              <a:t>03-02-21</a:t>
+              <a:t>04-02-21</a:t>
             </a:fld>
             <a:endParaRPr lang="fr-BE"/>
           </a:p>
@@ -480,7 +480,7 @@
           <a:p>
             <a:fld id="{5369D69D-74C9-44C2-AA09-BF23A02BA6D3}" type="datetimeFigureOut">
               <a:rPr lang="fr-BE" smtClean="0"/>
-              <a:t>03-02-21</a:t>
+              <a:t>04-02-21</a:t>
             </a:fld>
             <a:endParaRPr lang="fr-BE"/>
           </a:p>
@@ -690,7 +690,7 @@
           <a:p>
             <a:fld id="{5369D69D-74C9-44C2-AA09-BF23A02BA6D3}" type="datetimeFigureOut">
               <a:rPr lang="fr-BE" smtClean="0"/>
-              <a:t>03-02-21</a:t>
+              <a:t>04-02-21</a:t>
             </a:fld>
             <a:endParaRPr lang="fr-BE"/>
           </a:p>
@@ -890,7 +890,7 @@
           <a:p>
             <a:fld id="{5369D69D-74C9-44C2-AA09-BF23A02BA6D3}" type="datetimeFigureOut">
               <a:rPr lang="fr-BE" smtClean="0"/>
-              <a:t>03-02-21</a:t>
+              <a:t>04-02-21</a:t>
             </a:fld>
             <a:endParaRPr lang="fr-BE"/>
           </a:p>
@@ -1166,7 +1166,7 @@
           <a:p>
             <a:fld id="{5369D69D-74C9-44C2-AA09-BF23A02BA6D3}" type="datetimeFigureOut">
               <a:rPr lang="fr-BE" smtClean="0"/>
-              <a:t>03-02-21</a:t>
+              <a:t>04-02-21</a:t>
             </a:fld>
             <a:endParaRPr lang="fr-BE"/>
           </a:p>
@@ -1434,7 +1434,7 @@
           <a:p>
             <a:fld id="{5369D69D-74C9-44C2-AA09-BF23A02BA6D3}" type="datetimeFigureOut">
               <a:rPr lang="fr-BE" smtClean="0"/>
-              <a:t>03-02-21</a:t>
+              <a:t>04-02-21</a:t>
             </a:fld>
             <a:endParaRPr lang="fr-BE"/>
           </a:p>
@@ -1849,7 +1849,7 @@
           <a:p>
             <a:fld id="{5369D69D-74C9-44C2-AA09-BF23A02BA6D3}" type="datetimeFigureOut">
               <a:rPr lang="fr-BE" smtClean="0"/>
-              <a:t>03-02-21</a:t>
+              <a:t>04-02-21</a:t>
             </a:fld>
             <a:endParaRPr lang="fr-BE"/>
           </a:p>
@@ -1991,7 +1991,7 @@
           <a:p>
             <a:fld id="{5369D69D-74C9-44C2-AA09-BF23A02BA6D3}" type="datetimeFigureOut">
               <a:rPr lang="fr-BE" smtClean="0"/>
-              <a:t>03-02-21</a:t>
+              <a:t>04-02-21</a:t>
             </a:fld>
             <a:endParaRPr lang="fr-BE"/>
           </a:p>
@@ -2104,7 +2104,7 @@
           <a:p>
             <a:fld id="{5369D69D-74C9-44C2-AA09-BF23A02BA6D3}" type="datetimeFigureOut">
               <a:rPr lang="fr-BE" smtClean="0"/>
-              <a:t>03-02-21</a:t>
+              <a:t>04-02-21</a:t>
             </a:fld>
             <a:endParaRPr lang="fr-BE"/>
           </a:p>
@@ -2417,7 +2417,7 @@
           <a:p>
             <a:fld id="{5369D69D-74C9-44C2-AA09-BF23A02BA6D3}" type="datetimeFigureOut">
               <a:rPr lang="fr-BE" smtClean="0"/>
-              <a:t>03-02-21</a:t>
+              <a:t>04-02-21</a:t>
             </a:fld>
             <a:endParaRPr lang="fr-BE"/>
           </a:p>
@@ -2706,7 +2706,7 @@
           <a:p>
             <a:fld id="{5369D69D-74C9-44C2-AA09-BF23A02BA6D3}" type="datetimeFigureOut">
               <a:rPr lang="fr-BE" smtClean="0"/>
-              <a:t>03-02-21</a:t>
+              <a:t>04-02-21</a:t>
             </a:fld>
             <a:endParaRPr lang="fr-BE"/>
           </a:p>
@@ -2949,7 +2949,7 @@
           <a:p>
             <a:fld id="{5369D69D-74C9-44C2-AA09-BF23A02BA6D3}" type="datetimeFigureOut">
               <a:rPr lang="fr-BE" smtClean="0"/>
-              <a:t>03-02-21</a:t>
+              <a:t>04-02-21</a:t>
             </a:fld>
             <a:endParaRPr lang="fr-BE"/>
           </a:p>
